--- a/WH_chapter7/Kinematics_WH_7.1.pptx
+++ b/WH_chapter7/Kinematics_WH_7.1.pptx
@@ -119,6 +119,11 @@
       </a:defRPr>
     </a:lvl9pPr>
   </p:defaultTextStyle>
+  <p:extLst>
+    <p:ext uri="{EFAFB233-063F-42B5-8137-9DF3F51BA10A}">
+      <p15:sldGuideLst xmlns:p15="http://schemas.microsoft.com/office/powerpoint/2012/main"/>
+    </p:ext>
+  </p:extLst>
 </p:presentation>
 </file>
 
@@ -269,7 +274,7 @@
           <a:p>
             <a:fld id="{33A076A4-CF81-434A-9DB5-C3277E8767F7}" type="datetimeFigureOut">
               <a:rPr lang="en-US" smtClean="0"/>
-              <a:t>9/18/23</a:t>
+              <a:t>9/11/24</a:t>
             </a:fld>
             <a:endParaRPr lang="en-US"/>
           </a:p>
@@ -467,7 +472,7 @@
           <a:p>
             <a:fld id="{33A076A4-CF81-434A-9DB5-C3277E8767F7}" type="datetimeFigureOut">
               <a:rPr lang="en-US" smtClean="0"/>
-              <a:t>9/18/23</a:t>
+              <a:t>9/11/24</a:t>
             </a:fld>
             <a:endParaRPr lang="en-US"/>
           </a:p>
@@ -675,7 +680,7 @@
           <a:p>
             <a:fld id="{33A076A4-CF81-434A-9DB5-C3277E8767F7}" type="datetimeFigureOut">
               <a:rPr lang="en-US" smtClean="0"/>
-              <a:t>9/18/23</a:t>
+              <a:t>9/11/24</a:t>
             </a:fld>
             <a:endParaRPr lang="en-US"/>
           </a:p>
@@ -873,7 +878,7 @@
           <a:p>
             <a:fld id="{33A076A4-CF81-434A-9DB5-C3277E8767F7}" type="datetimeFigureOut">
               <a:rPr lang="en-US" smtClean="0"/>
-              <a:t>9/18/23</a:t>
+              <a:t>9/11/24</a:t>
             </a:fld>
             <a:endParaRPr lang="en-US"/>
           </a:p>
@@ -1148,7 +1153,7 @@
           <a:p>
             <a:fld id="{33A076A4-CF81-434A-9DB5-C3277E8767F7}" type="datetimeFigureOut">
               <a:rPr lang="en-US" smtClean="0"/>
-              <a:t>9/18/23</a:t>
+              <a:t>9/11/24</a:t>
             </a:fld>
             <a:endParaRPr lang="en-US"/>
           </a:p>
@@ -1413,7 +1418,7 @@
           <a:p>
             <a:fld id="{33A076A4-CF81-434A-9DB5-C3277E8767F7}" type="datetimeFigureOut">
               <a:rPr lang="en-US" smtClean="0"/>
-              <a:t>9/18/23</a:t>
+              <a:t>9/11/24</a:t>
             </a:fld>
             <a:endParaRPr lang="en-US"/>
           </a:p>
@@ -1825,7 +1830,7 @@
           <a:p>
             <a:fld id="{33A076A4-CF81-434A-9DB5-C3277E8767F7}" type="datetimeFigureOut">
               <a:rPr lang="en-US" smtClean="0"/>
-              <a:t>9/18/23</a:t>
+              <a:t>9/11/24</a:t>
             </a:fld>
             <a:endParaRPr lang="en-US"/>
           </a:p>
@@ -1966,7 +1971,7 @@
           <a:p>
             <a:fld id="{33A076A4-CF81-434A-9DB5-C3277E8767F7}" type="datetimeFigureOut">
               <a:rPr lang="en-US" smtClean="0"/>
-              <a:t>9/18/23</a:t>
+              <a:t>9/11/24</a:t>
             </a:fld>
             <a:endParaRPr lang="en-US"/>
           </a:p>
@@ -2079,7 +2084,7 @@
           <a:p>
             <a:fld id="{33A076A4-CF81-434A-9DB5-C3277E8767F7}" type="datetimeFigureOut">
               <a:rPr lang="en-US" smtClean="0"/>
-              <a:t>9/18/23</a:t>
+              <a:t>9/11/24</a:t>
             </a:fld>
             <a:endParaRPr lang="en-US"/>
           </a:p>
@@ -2390,7 +2395,7 @@
           <a:p>
             <a:fld id="{33A076A4-CF81-434A-9DB5-C3277E8767F7}" type="datetimeFigureOut">
               <a:rPr lang="en-US" smtClean="0"/>
-              <a:t>9/18/23</a:t>
+              <a:t>9/11/24</a:t>
             </a:fld>
             <a:endParaRPr lang="en-US"/>
           </a:p>
@@ -2678,7 +2683,7 @@
           <a:p>
             <a:fld id="{33A076A4-CF81-434A-9DB5-C3277E8767F7}" type="datetimeFigureOut">
               <a:rPr lang="en-US" smtClean="0"/>
-              <a:t>9/18/23</a:t>
+              <a:t>9/11/24</a:t>
             </a:fld>
             <a:endParaRPr lang="en-US"/>
           </a:p>
@@ -2919,7 +2924,7 @@
           <a:p>
             <a:fld id="{33A076A4-CF81-434A-9DB5-C3277E8767F7}" type="datetimeFigureOut">
               <a:rPr lang="en-US" smtClean="0"/>
-              <a:t>9/18/23</a:t>
+              <a:t>9/11/24</a:t>
             </a:fld>
             <a:endParaRPr lang="en-US"/>
           </a:p>
@@ -3401,7 +3406,7 @@
           <a:p>
             <a:r>
               <a:rPr lang="en-US" dirty="0"/>
-              <a:t>fall 2023</a:t>
+              <a:t>fall 2024</a:t>
             </a:r>
           </a:p>
           <a:p>
@@ -5305,6 +5310,45 @@
           </a:prstGeom>
         </p:spPr>
       </p:pic>
+      <p:sp>
+        <p:nvSpPr>
+          <p:cNvPr id="4" name="TextBox 3">
+            <a:extLst>
+              <a:ext uri="{FF2B5EF4-FFF2-40B4-BE49-F238E27FC236}">
+                <a16:creationId xmlns:a16="http://schemas.microsoft.com/office/drawing/2014/main" id="{68567955-9CFF-0EAF-1C74-E398E2914607}"/>
+              </a:ext>
+            </a:extLst>
+          </p:cNvPr>
+          <p:cNvSpPr txBox="1"/>
+          <p:nvPr/>
+        </p:nvSpPr>
+        <p:spPr>
+          <a:xfrm rot="19991907">
+            <a:off x="8846251" y="3536689"/>
+            <a:ext cx="2424766" cy="369332"/>
+          </a:xfrm>
+          <a:prstGeom prst="rect">
+            <a:avLst/>
+          </a:prstGeom>
+          <a:noFill/>
+        </p:spPr>
+        <p:txBody>
+          <a:bodyPr wrap="none" rtlCol="0">
+            <a:spAutoFit/>
+          </a:bodyPr>
+          <a:lstStyle/>
+          <a:p>
+            <a:r>
+              <a:rPr lang="en-US">
+                <a:solidFill>
+                  <a:srgbClr val="FF0000"/>
+                </a:solidFill>
+              </a:rPr>
+              <a:t>Find errors in this table!</a:t>
+            </a:r>
+          </a:p>
+        </p:txBody>
+      </p:sp>
     </p:spTree>
     <p:extLst>
       <p:ext uri="{BB962C8B-B14F-4D97-AF65-F5344CB8AC3E}">

--- a/WH_chapter7/Kinematics_WH_7.1.pptx
+++ b/WH_chapter7/Kinematics_WH_7.1.pptx
@@ -14,13 +14,14 @@
     <p:sldId id="263" r:id="rId8"/>
     <p:sldId id="261" r:id="rId9"/>
     <p:sldId id="266" r:id="rId10"/>
-    <p:sldId id="265" r:id="rId11"/>
-    <p:sldId id="267" r:id="rId12"/>
-    <p:sldId id="264" r:id="rId13"/>
-    <p:sldId id="268" r:id="rId14"/>
-    <p:sldId id="269" r:id="rId15"/>
-    <p:sldId id="270" r:id="rId16"/>
-    <p:sldId id="271" r:id="rId17"/>
+    <p:sldId id="264" r:id="rId11"/>
+    <p:sldId id="272" r:id="rId12"/>
+    <p:sldId id="265" r:id="rId13"/>
+    <p:sldId id="267" r:id="rId14"/>
+    <p:sldId id="268" r:id="rId15"/>
+    <p:sldId id="269" r:id="rId16"/>
+    <p:sldId id="270" r:id="rId17"/>
+    <p:sldId id="271" r:id="rId18"/>
   </p:sldIdLst>
   <p:sldSz cx="12192000" cy="6858000"/>
   <p:notesSz cx="6858000" cy="9144000"/>
@@ -3453,227 +3454,159 @@
           <a:chExt cx="0" cy="0"/>
         </a:xfrm>
       </p:grpSpPr>
-      <p:sp>
-        <p:nvSpPr>
-          <p:cNvPr id="2" name="Title 1">
-            <a:extLst>
-              <a:ext uri="{FF2B5EF4-FFF2-40B4-BE49-F238E27FC236}">
-                <a16:creationId xmlns:a16="http://schemas.microsoft.com/office/drawing/2014/main" id="{67FC86D0-9EE9-59ED-C5F2-6214AAF2191A}"/>
-              </a:ext>
-            </a:extLst>
-          </p:cNvPr>
-          <p:cNvSpPr>
-            <a:spLocks noGrp="1"/>
-          </p:cNvSpPr>
-          <p:nvPr>
-            <p:ph type="title"/>
-          </p:nvPr>
-        </p:nvSpPr>
-        <p:spPr>
-          <a:xfrm>
-            <a:off x="838200" y="286612"/>
-            <a:ext cx="10515600" cy="1325563"/>
-          </a:xfrm>
-        </p:spPr>
-        <p:txBody>
-          <a:bodyPr>
-            <a:normAutofit/>
-          </a:bodyPr>
-          <a:lstStyle/>
-          <a:p>
-            <a:pPr algn="ctr"/>
-            <a:r>
-              <a:rPr lang="en-US" b="1" dirty="0">
-                <a:solidFill>
-                  <a:srgbClr val="FF0000"/>
-                </a:solidFill>
-              </a:rPr>
-              <a:t>Important combinations</a:t>
-            </a:r>
-            <a:endParaRPr lang="en-US" dirty="0"/>
-          </a:p>
-        </p:txBody>
-      </p:sp>
       <p:pic>
         <p:nvPicPr>
-          <p:cNvPr id="2050" name="Picture 2">
-            <a:extLst>
-              <a:ext uri="{FF2B5EF4-FFF2-40B4-BE49-F238E27FC236}">
-                <a16:creationId xmlns:a16="http://schemas.microsoft.com/office/drawing/2014/main" id="{A8156165-B128-B2F5-8395-CBFCA479C72E}"/>
+          <p:cNvPr id="4" name="Picture 3">
+            <a:extLst>
+              <a:ext uri="{FF2B5EF4-FFF2-40B4-BE49-F238E27FC236}">
+                <a16:creationId xmlns:a16="http://schemas.microsoft.com/office/drawing/2014/main" id="{E438410F-CD94-DF75-4414-0F80AB955841}"/>
               </a:ext>
             </a:extLst>
           </p:cNvPr>
           <p:cNvPicPr>
-            <a:picLocks noChangeAspect="1" noChangeArrowheads="1"/>
+            <a:picLocks noChangeAspect="1"/>
           </p:cNvPicPr>
           <p:nvPr/>
         </p:nvPicPr>
         <p:blipFill>
-          <a:blip r:embed="rId2">
-            <a:extLst>
-              <a:ext uri="{28A0092B-C50C-407E-A947-70E740481C1C}">
-                <a14:useLocalDpi xmlns:a14="http://schemas.microsoft.com/office/drawing/2010/main" val="0"/>
-              </a:ext>
-            </a:extLst>
-          </a:blip>
-          <a:srcRect/>
+          <a:blip r:embed="rId2"/>
           <a:stretch>
             <a:fillRect/>
           </a:stretch>
         </p:blipFill>
-        <p:spPr bwMode="auto">
-          <a:xfrm>
-            <a:off x="519044" y="1612175"/>
-            <a:ext cx="5113793" cy="5039139"/>
+        <p:spPr>
+          <a:xfrm>
+            <a:off x="4319100" y="1322584"/>
+            <a:ext cx="3553799" cy="5357419"/>
           </a:xfrm>
           <a:prstGeom prst="rect">
             <a:avLst/>
           </a:prstGeom>
-          <a:noFill/>
-          <a:extLst>
-            <a:ext uri="{909E8E84-426E-40DD-AFC4-6F175D3DCCD1}">
-              <a14:hiddenFill xmlns:a14="http://schemas.microsoft.com/office/drawing/2010/main">
-                <a:solidFill>
-                  <a:srgbClr val="FFFFFF"/>
-                </a:solidFill>
-              </a14:hiddenFill>
-            </a:ext>
-          </a:extLst>
         </p:spPr>
       </p:pic>
       <p:sp>
         <p:nvSpPr>
-          <p:cNvPr id="5" name="TextBox 4">
-            <a:extLst>
-              <a:ext uri="{FF2B5EF4-FFF2-40B4-BE49-F238E27FC236}">
-                <a16:creationId xmlns:a16="http://schemas.microsoft.com/office/drawing/2014/main" id="{4EAF07A6-F5F5-CE87-49E5-BAD942787943}"/>
-              </a:ext>
-            </a:extLst>
-          </p:cNvPr>
-          <p:cNvSpPr txBox="1"/>
-          <p:nvPr/>
-        </p:nvSpPr>
-        <p:spPr>
-          <a:xfrm>
-            <a:off x="519044" y="1222965"/>
-            <a:ext cx="3473323" cy="461665"/>
-          </a:xfrm>
-          <a:prstGeom prst="rect">
-            <a:avLst/>
-          </a:prstGeom>
-          <a:noFill/>
-        </p:spPr>
-        <p:txBody>
-          <a:bodyPr wrap="none" rtlCol="0">
-            <a:spAutoFit/>
-          </a:bodyPr>
-          <a:lstStyle/>
-          <a:p>
-            <a:r>
-              <a:rPr lang="en-US" sz="2400" dirty="0" err="1"/>
-              <a:t>curvey</a:t>
-            </a:r>
-            <a:r>
-              <a:rPr lang="en-US" sz="2400" dirty="0"/>
-              <a:t> + </a:t>
-            </a:r>
-            <a:r>
-              <a:rPr lang="en-US" sz="2400" dirty="0" err="1"/>
-              <a:t>curvey</a:t>
-            </a:r>
-            <a:r>
-              <a:rPr lang="en-US" sz="2400" dirty="0"/>
-              <a:t> = straight!</a:t>
+          <p:cNvPr id="2" name="Title 1">
+            <a:extLst>
+              <a:ext uri="{FF2B5EF4-FFF2-40B4-BE49-F238E27FC236}">
+                <a16:creationId xmlns:a16="http://schemas.microsoft.com/office/drawing/2014/main" id="{A83C22C5-38C3-16B0-7137-CA3B38EC39F1}"/>
+              </a:ext>
+            </a:extLst>
+          </p:cNvPr>
+          <p:cNvSpPr>
+            <a:spLocks noGrp="1"/>
+          </p:cNvSpPr>
+          <p:nvPr>
+            <p:ph type="title"/>
+          </p:nvPr>
+        </p:nvSpPr>
+        <p:spPr>
+          <a:xfrm>
+            <a:off x="0" y="345247"/>
+            <a:ext cx="10515600" cy="1325563"/>
+          </a:xfrm>
+        </p:spPr>
+        <p:txBody>
+          <a:bodyPr/>
+          <a:lstStyle/>
+          <a:p>
+            <a:r>
+              <a:rPr lang="en-US" dirty="0"/>
+              <a:t>Effects of deformation</a:t>
+            </a:r>
+          </a:p>
+        </p:txBody>
+      </p:sp>
+      <p:sp>
+        <p:nvSpPr>
+          <p:cNvPr id="3" name="Content Placeholder 2">
+            <a:extLst>
+              <a:ext uri="{FF2B5EF4-FFF2-40B4-BE49-F238E27FC236}">
+                <a16:creationId xmlns:a16="http://schemas.microsoft.com/office/drawing/2014/main" id="{D9144FED-C864-C999-1766-C219341DC3F5}"/>
+              </a:ext>
+            </a:extLst>
+          </p:cNvPr>
+          <p:cNvSpPr>
+            <a:spLocks noGrp="1"/>
+          </p:cNvSpPr>
+          <p:nvPr>
+            <p:ph idx="1"/>
+          </p:nvPr>
+        </p:nvSpPr>
+        <p:spPr>
+          <a:xfrm>
+            <a:off x="293339" y="1825625"/>
+            <a:ext cx="10515600" cy="4351338"/>
+          </a:xfrm>
+        </p:spPr>
+        <p:txBody>
+          <a:bodyPr/>
+          <a:lstStyle/>
+          <a:p>
+            <a:r>
+              <a:rPr lang="en-US" dirty="0"/>
+              <a:t>sharpening the gradient (def)</a:t>
+            </a:r>
+          </a:p>
+          <a:p>
+            <a:endParaRPr lang="en-US" dirty="0"/>
+          </a:p>
+          <a:p>
+            <a:endParaRPr lang="en-US" dirty="0"/>
+          </a:p>
+          <a:p>
+            <a:endParaRPr lang="en-US" dirty="0"/>
+          </a:p>
+          <a:p>
+            <a:r>
+              <a:rPr lang="en-US" dirty="0"/>
+              <a:t>twisting too (shear = </a:t>
+            </a:r>
+            <a:r>
+              <a:rPr lang="en-US" dirty="0" err="1"/>
+              <a:t>vor</a:t>
+            </a:r>
+            <a:r>
+              <a:rPr lang="en-US" dirty="0"/>
+              <a:t> + def) </a:t>
             </a:r>
           </a:p>
         </p:txBody>
       </p:sp>
       <p:pic>
         <p:nvPicPr>
-          <p:cNvPr id="2054" name="Picture 6">
-            <a:extLst>
-              <a:ext uri="{FF2B5EF4-FFF2-40B4-BE49-F238E27FC236}">
-                <a16:creationId xmlns:a16="http://schemas.microsoft.com/office/drawing/2014/main" id="{EB0992E1-BE81-2897-4613-6275FDF80EFD}"/>
+          <p:cNvPr id="5" name="Picture 4">
+            <a:extLst>
+              <a:ext uri="{FF2B5EF4-FFF2-40B4-BE49-F238E27FC236}">
+                <a16:creationId xmlns:a16="http://schemas.microsoft.com/office/drawing/2014/main" id="{D1C31577-FC15-C2EC-3F3A-8E3EC1750DBA}"/>
               </a:ext>
             </a:extLst>
           </p:cNvPr>
           <p:cNvPicPr>
-            <a:picLocks noChangeAspect="1" noChangeArrowheads="1"/>
+            <a:picLocks noChangeAspect="1"/>
           </p:cNvPicPr>
           <p:nvPr/>
         </p:nvPicPr>
         <p:blipFill>
-          <a:blip r:embed="rId3">
-            <a:extLst>
-              <a:ext uri="{28A0092B-C50C-407E-A947-70E740481C1C}">
-                <a14:useLocalDpi xmlns:a14="http://schemas.microsoft.com/office/drawing/2010/main" val="0"/>
-              </a:ext>
-            </a:extLst>
-          </a:blip>
-          <a:srcRect/>
+          <a:blip r:embed="rId3"/>
           <a:stretch>
             <a:fillRect/>
           </a:stretch>
         </p:blipFill>
-        <p:spPr bwMode="auto">
-          <a:xfrm>
-            <a:off x="6422943" y="1545060"/>
-            <a:ext cx="5250013" cy="5173370"/>
+        <p:spPr>
+          <a:xfrm>
+            <a:off x="7448139" y="177997"/>
+            <a:ext cx="4450521" cy="5357419"/>
           </a:xfrm>
           <a:prstGeom prst="rect">
             <a:avLst/>
           </a:prstGeom>
-          <a:noFill/>
-          <a:extLst>
-            <a:ext uri="{909E8E84-426E-40DD-AFC4-6F175D3DCCD1}">
-              <a14:hiddenFill xmlns:a14="http://schemas.microsoft.com/office/drawing/2010/main">
-                <a:solidFill>
-                  <a:srgbClr val="FFFFFF"/>
-                </a:solidFill>
-              </a14:hiddenFill>
-            </a:ext>
-          </a:extLst>
         </p:spPr>
       </p:pic>
-      <p:sp>
-        <p:nvSpPr>
-          <p:cNvPr id="6" name="TextBox 5">
-            <a:extLst>
-              <a:ext uri="{FF2B5EF4-FFF2-40B4-BE49-F238E27FC236}">
-                <a16:creationId xmlns:a16="http://schemas.microsoft.com/office/drawing/2014/main" id="{CEF9CBE9-8E64-1222-5A1B-D72EECBDC0F9}"/>
-              </a:ext>
-            </a:extLst>
-          </p:cNvPr>
-          <p:cNvSpPr txBox="1"/>
-          <p:nvPr/>
-        </p:nvSpPr>
-        <p:spPr>
-          <a:xfrm>
-            <a:off x="6422943" y="1150510"/>
-            <a:ext cx="5223674" cy="461665"/>
-          </a:xfrm>
-          <a:prstGeom prst="rect">
-            <a:avLst/>
-          </a:prstGeom>
-          <a:noFill/>
-        </p:spPr>
-        <p:txBody>
-          <a:bodyPr wrap="none" rtlCol="0">
-            <a:spAutoFit/>
-          </a:bodyPr>
-          <a:lstStyle/>
-          <a:p>
-            <a:r>
-              <a:rPr lang="en-US" sz="2400" dirty="0"/>
-              <a:t>Adding mean flow just moves the center</a:t>
-            </a:r>
-          </a:p>
-        </p:txBody>
-      </p:sp>
     </p:spTree>
     <p:extLst>
       <p:ext uri="{BB962C8B-B14F-4D97-AF65-F5344CB8AC3E}">
-        <p14:creationId xmlns:p14="http://schemas.microsoft.com/office/powerpoint/2010/main" val="2523553611"/>
+        <p14:creationId xmlns:p14="http://schemas.microsoft.com/office/powerpoint/2010/main" val="589754123"/>
       </p:ext>
     </p:extLst>
   </p:cSld>
@@ -3730,197 +3663,164 @@
           <a:p>
             <a:pPr algn="ctr"/>
             <a:r>
-              <a:rPr lang="en-US" b="1" dirty="0">
-                <a:solidFill>
-                  <a:srgbClr val="FF0000"/>
-                </a:solidFill>
-              </a:rPr>
-              <a:t>Important combinations</a:t>
+              <a:rPr lang="en-US" b="1" dirty="0"/>
+              <a:t>deformation deforms….            .     .   .</a:t>
             </a:r>
             <a:endParaRPr lang="en-US" dirty="0"/>
+          </a:p>
+        </p:txBody>
+      </p:sp>
+      <p:sp>
+        <p:nvSpPr>
+          <p:cNvPr id="17" name="TextBox 16">
+            <a:extLst>
+              <a:ext uri="{FF2B5EF4-FFF2-40B4-BE49-F238E27FC236}">
+                <a16:creationId xmlns:a16="http://schemas.microsoft.com/office/drawing/2014/main" id="{6E99B27A-14FD-C05A-AD3C-8F837ACD49E7}"/>
+              </a:ext>
+            </a:extLst>
+          </p:cNvPr>
+          <p:cNvSpPr txBox="1"/>
+          <p:nvPr/>
+        </p:nvSpPr>
+        <p:spPr>
+          <a:xfrm>
+            <a:off x="512119" y="1676823"/>
+            <a:ext cx="6773240" cy="1384995"/>
+          </a:xfrm>
+          <a:prstGeom prst="rect">
+            <a:avLst/>
+          </a:prstGeom>
+          <a:noFill/>
+        </p:spPr>
+        <p:txBody>
+          <a:bodyPr wrap="square" rtlCol="0">
+            <a:spAutoFit/>
+          </a:bodyPr>
+          <a:lstStyle/>
+          <a:p>
+            <a:r>
+              <a:rPr lang="en-US" sz="2800" dirty="0"/>
+              <a:t>Perhaps not rotated (if no vorticity)!</a:t>
+            </a:r>
+          </a:p>
+          <a:p>
+            <a:endParaRPr lang="en-US" sz="2800" dirty="0"/>
+          </a:p>
+          <a:p>
+            <a:r>
+              <a:rPr lang="en-US" sz="2800" dirty="0"/>
+              <a:t>Perhaps no Area changes (if no vergence)!</a:t>
+            </a:r>
+          </a:p>
+        </p:txBody>
+      </p:sp>
+      <p:sp>
+        <p:nvSpPr>
+          <p:cNvPr id="5" name="TextBox 4">
+            <a:extLst>
+              <a:ext uri="{FF2B5EF4-FFF2-40B4-BE49-F238E27FC236}">
+                <a16:creationId xmlns:a16="http://schemas.microsoft.com/office/drawing/2014/main" id="{3503EC5C-AA2A-017E-2580-34EE57CDFA29}"/>
+              </a:ext>
+            </a:extLst>
+          </p:cNvPr>
+          <p:cNvSpPr txBox="1"/>
+          <p:nvPr/>
+        </p:nvSpPr>
+        <p:spPr>
+          <a:xfrm>
+            <a:off x="4639743" y="6571388"/>
+            <a:ext cx="6940747" cy="276999"/>
+          </a:xfrm>
+          <a:prstGeom prst="rect">
+            <a:avLst/>
+          </a:prstGeom>
+          <a:noFill/>
+        </p:spPr>
+        <p:txBody>
+          <a:bodyPr wrap="square" rtlCol="0">
+            <a:spAutoFit/>
+          </a:bodyPr>
+          <a:lstStyle/>
+          <a:p>
+            <a:r>
+              <a:rPr lang="en-US" sz="1200" dirty="0"/>
+              <a:t>https://</a:t>
+            </a:r>
+            <a:r>
+              <a:rPr lang="en-US" sz="1200" dirty="0" err="1"/>
+              <a:t>colab.research.google.com</a:t>
+            </a:r>
+            <a:r>
+              <a:rPr lang="en-US" sz="1200" dirty="0"/>
+              <a:t>/drive/1uY31iYu5dZ5E9F-UoYrpWQf4UnJLvoKG</a:t>
+            </a:r>
           </a:p>
         </p:txBody>
       </p:sp>
       <p:pic>
         <p:nvPicPr>
-          <p:cNvPr id="2050" name="Picture 2">
-            <a:extLst>
-              <a:ext uri="{FF2B5EF4-FFF2-40B4-BE49-F238E27FC236}">
-                <a16:creationId xmlns:a16="http://schemas.microsoft.com/office/drawing/2014/main" id="{A8156165-B128-B2F5-8395-CBFCA479C72E}"/>
+          <p:cNvPr id="3" name="Picture 2">
+            <a:extLst>
+              <a:ext uri="{FF2B5EF4-FFF2-40B4-BE49-F238E27FC236}">
+                <a16:creationId xmlns:a16="http://schemas.microsoft.com/office/drawing/2014/main" id="{3269A82B-0472-3A64-EA1F-2682D93B1B63}"/>
               </a:ext>
             </a:extLst>
           </p:cNvPr>
           <p:cNvPicPr>
-            <a:picLocks noChangeAspect="1" noChangeArrowheads="1"/>
+            <a:picLocks noChangeAspect="1"/>
           </p:cNvPicPr>
           <p:nvPr/>
         </p:nvPicPr>
         <p:blipFill>
-          <a:blip r:embed="rId2">
-            <a:extLst>
-              <a:ext uri="{28A0092B-C50C-407E-A947-70E740481C1C}">
-                <a14:useLocalDpi xmlns:a14="http://schemas.microsoft.com/office/drawing/2010/main" val="0"/>
-              </a:ext>
-            </a:extLst>
-          </a:blip>
-          <a:srcRect/>
+          <a:blip r:embed="rId2"/>
           <a:stretch>
             <a:fillRect/>
           </a:stretch>
         </p:blipFill>
-        <p:spPr bwMode="auto">
-          <a:xfrm>
-            <a:off x="519044" y="1612175"/>
-            <a:ext cx="5113793" cy="5039139"/>
+        <p:spPr>
+          <a:xfrm>
+            <a:off x="7285359" y="9613"/>
+            <a:ext cx="4756124" cy="6838774"/>
           </a:xfrm>
           <a:prstGeom prst="rect">
             <a:avLst/>
           </a:prstGeom>
-          <a:noFill/>
-          <a:extLst>
-            <a:ext uri="{909E8E84-426E-40DD-AFC4-6F175D3DCCD1}">
-              <a14:hiddenFill xmlns:a14="http://schemas.microsoft.com/office/drawing/2010/main">
-                <a:solidFill>
-                  <a:srgbClr val="FFFFFF"/>
-                </a:solidFill>
-              </a14:hiddenFill>
-            </a:ext>
-          </a:extLst>
         </p:spPr>
       </p:pic>
-      <p:sp>
-        <p:nvSpPr>
-          <p:cNvPr id="5" name="TextBox 4">
-            <a:extLst>
-              <a:ext uri="{FF2B5EF4-FFF2-40B4-BE49-F238E27FC236}">
-                <a16:creationId xmlns:a16="http://schemas.microsoft.com/office/drawing/2014/main" id="{4EAF07A6-F5F5-CE87-49E5-BAD942787943}"/>
-              </a:ext>
-            </a:extLst>
-          </p:cNvPr>
-          <p:cNvSpPr txBox="1"/>
-          <p:nvPr/>
-        </p:nvSpPr>
-        <p:spPr>
-          <a:xfrm>
-            <a:off x="519044" y="1222965"/>
-            <a:ext cx="3473323" cy="461665"/>
-          </a:xfrm>
-          <a:prstGeom prst="rect">
-            <a:avLst/>
-          </a:prstGeom>
-          <a:noFill/>
-        </p:spPr>
-        <p:txBody>
-          <a:bodyPr wrap="none" rtlCol="0">
-            <a:spAutoFit/>
-          </a:bodyPr>
-          <a:lstStyle/>
-          <a:p>
-            <a:r>
-              <a:rPr lang="en-US" sz="2400" dirty="0" err="1"/>
-              <a:t>curvey</a:t>
-            </a:r>
-            <a:r>
-              <a:rPr lang="en-US" sz="2400" dirty="0"/>
-              <a:t> + </a:t>
-            </a:r>
-            <a:r>
-              <a:rPr lang="en-US" sz="2400" dirty="0" err="1"/>
-              <a:t>curvey</a:t>
-            </a:r>
-            <a:r>
-              <a:rPr lang="en-US" sz="2400" dirty="0"/>
-              <a:t> = straight!</a:t>
-            </a:r>
-          </a:p>
-        </p:txBody>
-      </p:sp>
-      <p:sp>
-        <p:nvSpPr>
-          <p:cNvPr id="6" name="TextBox 5">
-            <a:extLst>
-              <a:ext uri="{FF2B5EF4-FFF2-40B4-BE49-F238E27FC236}">
-                <a16:creationId xmlns:a16="http://schemas.microsoft.com/office/drawing/2014/main" id="{CEF9CBE9-8E64-1222-5A1B-D72EECBDC0F9}"/>
-              </a:ext>
-            </a:extLst>
-          </p:cNvPr>
-          <p:cNvSpPr txBox="1"/>
-          <p:nvPr/>
-        </p:nvSpPr>
-        <p:spPr>
-          <a:xfrm>
-            <a:off x="6422943" y="1150510"/>
-            <a:ext cx="5223674" cy="461665"/>
-          </a:xfrm>
-          <a:prstGeom prst="rect">
-            <a:avLst/>
-          </a:prstGeom>
-          <a:noFill/>
-        </p:spPr>
-        <p:txBody>
-          <a:bodyPr wrap="none" rtlCol="0">
-            <a:spAutoFit/>
-          </a:bodyPr>
-          <a:lstStyle/>
-          <a:p>
-            <a:r>
-              <a:rPr lang="en-US" sz="2400" dirty="0"/>
-              <a:t>Adding mean flow just moves the center</a:t>
-            </a:r>
-          </a:p>
-        </p:txBody>
-      </p:sp>
       <p:pic>
         <p:nvPicPr>
-          <p:cNvPr id="4098" name="Picture 2">
-            <a:extLst>
-              <a:ext uri="{FF2B5EF4-FFF2-40B4-BE49-F238E27FC236}">
-                <a16:creationId xmlns:a16="http://schemas.microsoft.com/office/drawing/2014/main" id="{39C49235-D0B2-A66C-4185-8992FED35D1D}"/>
+          <p:cNvPr id="7" name="Picture 6">
+            <a:extLst>
+              <a:ext uri="{FF2B5EF4-FFF2-40B4-BE49-F238E27FC236}">
+                <a16:creationId xmlns:a16="http://schemas.microsoft.com/office/drawing/2014/main" id="{8865B4EB-3DF0-5232-5681-9B3F2A8FB6D7}"/>
               </a:ext>
             </a:extLst>
           </p:cNvPr>
           <p:cNvPicPr>
-            <a:picLocks noChangeAspect="1" noChangeArrowheads="1"/>
+            <a:picLocks noChangeAspect="1"/>
           </p:cNvPicPr>
           <p:nvPr/>
         </p:nvPicPr>
         <p:blipFill>
-          <a:blip r:embed="rId3">
-            <a:extLst>
-              <a:ext uri="{28A0092B-C50C-407E-A947-70E740481C1C}">
-                <a14:useLocalDpi xmlns:a14="http://schemas.microsoft.com/office/drawing/2010/main" val="0"/>
-              </a:ext>
-            </a:extLst>
-          </a:blip>
-          <a:srcRect/>
+          <a:blip r:embed="rId3"/>
           <a:stretch>
             <a:fillRect/>
           </a:stretch>
         </p:blipFill>
-        <p:spPr bwMode="auto">
-          <a:xfrm>
-            <a:off x="6422943" y="1612174"/>
-            <a:ext cx="5113794" cy="5039140"/>
+        <p:spPr>
+          <a:xfrm>
+            <a:off x="1606213" y="4597692"/>
+            <a:ext cx="6600857" cy="813551"/>
           </a:xfrm>
           <a:prstGeom prst="rect">
             <a:avLst/>
           </a:prstGeom>
-          <a:noFill/>
-          <a:extLst>
-            <a:ext uri="{909E8E84-426E-40DD-AFC4-6F175D3DCCD1}">
-              <a14:hiddenFill xmlns:a14="http://schemas.microsoft.com/office/drawing/2010/main">
-                <a:solidFill>
-                  <a:srgbClr val="FFFFFF"/>
-                </a:solidFill>
-              </a14:hiddenFill>
-            </a:ext>
-          </a:extLst>
         </p:spPr>
       </p:pic>
     </p:spTree>
     <p:extLst>
       <p:ext uri="{BB962C8B-B14F-4D97-AF65-F5344CB8AC3E}">
-        <p14:creationId xmlns:p14="http://schemas.microsoft.com/office/powerpoint/2010/main" val="3317553231"/>
+        <p14:creationId xmlns:p14="http://schemas.microsoft.com/office/powerpoint/2010/main" val="302194829"/>
       </p:ext>
     </p:extLst>
   </p:cSld>
@@ -3947,159 +3847,227 @@
           <a:chExt cx="0" cy="0"/>
         </a:xfrm>
       </p:grpSpPr>
+      <p:sp>
+        <p:nvSpPr>
+          <p:cNvPr id="2" name="Title 1">
+            <a:extLst>
+              <a:ext uri="{FF2B5EF4-FFF2-40B4-BE49-F238E27FC236}">
+                <a16:creationId xmlns:a16="http://schemas.microsoft.com/office/drawing/2014/main" id="{67FC86D0-9EE9-59ED-C5F2-6214AAF2191A}"/>
+              </a:ext>
+            </a:extLst>
+          </p:cNvPr>
+          <p:cNvSpPr>
+            <a:spLocks noGrp="1"/>
+          </p:cNvSpPr>
+          <p:nvPr>
+            <p:ph type="title"/>
+          </p:nvPr>
+        </p:nvSpPr>
+        <p:spPr>
+          <a:xfrm>
+            <a:off x="838200" y="286612"/>
+            <a:ext cx="10515600" cy="1325563"/>
+          </a:xfrm>
+        </p:spPr>
+        <p:txBody>
+          <a:bodyPr>
+            <a:normAutofit/>
+          </a:bodyPr>
+          <a:lstStyle/>
+          <a:p>
+            <a:pPr algn="ctr"/>
+            <a:r>
+              <a:rPr lang="en-US" b="1" dirty="0">
+                <a:solidFill>
+                  <a:srgbClr val="FF0000"/>
+                </a:solidFill>
+              </a:rPr>
+              <a:t>Important combinations</a:t>
+            </a:r>
+            <a:endParaRPr lang="en-US" dirty="0"/>
+          </a:p>
+        </p:txBody>
+      </p:sp>
       <p:pic>
         <p:nvPicPr>
-          <p:cNvPr id="4" name="Picture 3">
-            <a:extLst>
-              <a:ext uri="{FF2B5EF4-FFF2-40B4-BE49-F238E27FC236}">
-                <a16:creationId xmlns:a16="http://schemas.microsoft.com/office/drawing/2014/main" id="{E438410F-CD94-DF75-4414-0F80AB955841}"/>
+          <p:cNvPr id="2050" name="Picture 2">
+            <a:extLst>
+              <a:ext uri="{FF2B5EF4-FFF2-40B4-BE49-F238E27FC236}">
+                <a16:creationId xmlns:a16="http://schemas.microsoft.com/office/drawing/2014/main" id="{A8156165-B128-B2F5-8395-CBFCA479C72E}"/>
               </a:ext>
             </a:extLst>
           </p:cNvPr>
           <p:cNvPicPr>
-            <a:picLocks noChangeAspect="1"/>
+            <a:picLocks noChangeAspect="1" noChangeArrowheads="1"/>
           </p:cNvPicPr>
           <p:nvPr/>
         </p:nvPicPr>
         <p:blipFill>
-          <a:blip r:embed="rId2"/>
+          <a:blip r:embed="rId2">
+            <a:extLst>
+              <a:ext uri="{28A0092B-C50C-407E-A947-70E740481C1C}">
+                <a14:useLocalDpi xmlns:a14="http://schemas.microsoft.com/office/drawing/2010/main" val="0"/>
+              </a:ext>
+            </a:extLst>
+          </a:blip>
+          <a:srcRect/>
           <a:stretch>
             <a:fillRect/>
           </a:stretch>
         </p:blipFill>
-        <p:spPr>
-          <a:xfrm>
-            <a:off x="4319100" y="1322584"/>
-            <a:ext cx="3553799" cy="5357419"/>
+        <p:spPr bwMode="auto">
+          <a:xfrm>
+            <a:off x="519044" y="1612175"/>
+            <a:ext cx="5113793" cy="5039139"/>
           </a:xfrm>
           <a:prstGeom prst="rect">
             <a:avLst/>
           </a:prstGeom>
+          <a:noFill/>
+          <a:extLst>
+            <a:ext uri="{909E8E84-426E-40DD-AFC4-6F175D3DCCD1}">
+              <a14:hiddenFill xmlns:a14="http://schemas.microsoft.com/office/drawing/2010/main">
+                <a:solidFill>
+                  <a:srgbClr val="FFFFFF"/>
+                </a:solidFill>
+              </a14:hiddenFill>
+            </a:ext>
+          </a:extLst>
         </p:spPr>
       </p:pic>
       <p:sp>
         <p:nvSpPr>
-          <p:cNvPr id="2" name="Title 1">
-            <a:extLst>
-              <a:ext uri="{FF2B5EF4-FFF2-40B4-BE49-F238E27FC236}">
-                <a16:creationId xmlns:a16="http://schemas.microsoft.com/office/drawing/2014/main" id="{A83C22C5-38C3-16B0-7137-CA3B38EC39F1}"/>
-              </a:ext>
-            </a:extLst>
-          </p:cNvPr>
-          <p:cNvSpPr>
-            <a:spLocks noGrp="1"/>
-          </p:cNvSpPr>
-          <p:nvPr>
-            <p:ph type="title"/>
-          </p:nvPr>
-        </p:nvSpPr>
-        <p:spPr>
-          <a:xfrm>
-            <a:off x="0" y="345247"/>
-            <a:ext cx="10515600" cy="1325563"/>
-          </a:xfrm>
-        </p:spPr>
-        <p:txBody>
-          <a:bodyPr/>
-          <a:lstStyle/>
-          <a:p>
-            <a:r>
-              <a:rPr lang="en-US" dirty="0"/>
-              <a:t>Effects of deformation</a:t>
-            </a:r>
-          </a:p>
-        </p:txBody>
-      </p:sp>
-      <p:sp>
-        <p:nvSpPr>
-          <p:cNvPr id="3" name="Content Placeholder 2">
-            <a:extLst>
-              <a:ext uri="{FF2B5EF4-FFF2-40B4-BE49-F238E27FC236}">
-                <a16:creationId xmlns:a16="http://schemas.microsoft.com/office/drawing/2014/main" id="{D9144FED-C864-C999-1766-C219341DC3F5}"/>
-              </a:ext>
-            </a:extLst>
-          </p:cNvPr>
-          <p:cNvSpPr>
-            <a:spLocks noGrp="1"/>
-          </p:cNvSpPr>
-          <p:nvPr>
-            <p:ph idx="1"/>
-          </p:nvPr>
-        </p:nvSpPr>
-        <p:spPr>
-          <a:xfrm>
-            <a:off x="293339" y="1825625"/>
-            <a:ext cx="10515600" cy="4351338"/>
-          </a:xfrm>
-        </p:spPr>
-        <p:txBody>
-          <a:bodyPr/>
-          <a:lstStyle/>
-          <a:p>
-            <a:r>
-              <a:rPr lang="en-US" dirty="0"/>
-              <a:t>sharpening the gradient (def)</a:t>
-            </a:r>
-          </a:p>
-          <a:p>
-            <a:endParaRPr lang="en-US" dirty="0"/>
-          </a:p>
-          <a:p>
-            <a:endParaRPr lang="en-US" dirty="0"/>
-          </a:p>
-          <a:p>
-            <a:endParaRPr lang="en-US" dirty="0"/>
-          </a:p>
-          <a:p>
-            <a:r>
-              <a:rPr lang="en-US" dirty="0"/>
-              <a:t>twisting too (shear = </a:t>
-            </a:r>
-            <a:r>
-              <a:rPr lang="en-US" dirty="0" err="1"/>
-              <a:t>vor</a:t>
-            </a:r>
-            <a:r>
-              <a:rPr lang="en-US" dirty="0"/>
-              <a:t> + def) </a:t>
+          <p:cNvPr id="5" name="TextBox 4">
+            <a:extLst>
+              <a:ext uri="{FF2B5EF4-FFF2-40B4-BE49-F238E27FC236}">
+                <a16:creationId xmlns:a16="http://schemas.microsoft.com/office/drawing/2014/main" id="{4EAF07A6-F5F5-CE87-49E5-BAD942787943}"/>
+              </a:ext>
+            </a:extLst>
+          </p:cNvPr>
+          <p:cNvSpPr txBox="1"/>
+          <p:nvPr/>
+        </p:nvSpPr>
+        <p:spPr>
+          <a:xfrm>
+            <a:off x="519044" y="1222965"/>
+            <a:ext cx="3473323" cy="461665"/>
+          </a:xfrm>
+          <a:prstGeom prst="rect">
+            <a:avLst/>
+          </a:prstGeom>
+          <a:noFill/>
+        </p:spPr>
+        <p:txBody>
+          <a:bodyPr wrap="none" rtlCol="0">
+            <a:spAutoFit/>
+          </a:bodyPr>
+          <a:lstStyle/>
+          <a:p>
+            <a:r>
+              <a:rPr lang="en-US" sz="2400" dirty="0" err="1"/>
+              <a:t>curvey</a:t>
+            </a:r>
+            <a:r>
+              <a:rPr lang="en-US" sz="2400" dirty="0"/>
+              <a:t> + </a:t>
+            </a:r>
+            <a:r>
+              <a:rPr lang="en-US" sz="2400" dirty="0" err="1"/>
+              <a:t>curvey</a:t>
+            </a:r>
+            <a:r>
+              <a:rPr lang="en-US" sz="2400" dirty="0"/>
+              <a:t> = straight!</a:t>
             </a:r>
           </a:p>
         </p:txBody>
       </p:sp>
       <p:pic>
         <p:nvPicPr>
-          <p:cNvPr id="5" name="Picture 4">
-            <a:extLst>
-              <a:ext uri="{FF2B5EF4-FFF2-40B4-BE49-F238E27FC236}">
-                <a16:creationId xmlns:a16="http://schemas.microsoft.com/office/drawing/2014/main" id="{D1C31577-FC15-C2EC-3F3A-8E3EC1750DBA}"/>
+          <p:cNvPr id="2054" name="Picture 6">
+            <a:extLst>
+              <a:ext uri="{FF2B5EF4-FFF2-40B4-BE49-F238E27FC236}">
+                <a16:creationId xmlns:a16="http://schemas.microsoft.com/office/drawing/2014/main" id="{EB0992E1-BE81-2897-4613-6275FDF80EFD}"/>
               </a:ext>
             </a:extLst>
           </p:cNvPr>
           <p:cNvPicPr>
-            <a:picLocks noChangeAspect="1"/>
+            <a:picLocks noChangeAspect="1" noChangeArrowheads="1"/>
           </p:cNvPicPr>
           <p:nvPr/>
         </p:nvPicPr>
         <p:blipFill>
-          <a:blip r:embed="rId3"/>
+          <a:blip r:embed="rId3">
+            <a:extLst>
+              <a:ext uri="{28A0092B-C50C-407E-A947-70E740481C1C}">
+                <a14:useLocalDpi xmlns:a14="http://schemas.microsoft.com/office/drawing/2010/main" val="0"/>
+              </a:ext>
+            </a:extLst>
+          </a:blip>
+          <a:srcRect/>
           <a:stretch>
             <a:fillRect/>
           </a:stretch>
         </p:blipFill>
-        <p:spPr>
-          <a:xfrm>
-            <a:off x="7448139" y="177997"/>
-            <a:ext cx="4450521" cy="5357419"/>
+        <p:spPr bwMode="auto">
+          <a:xfrm>
+            <a:off x="6422943" y="1545060"/>
+            <a:ext cx="5250013" cy="5173370"/>
           </a:xfrm>
           <a:prstGeom prst="rect">
             <a:avLst/>
           </a:prstGeom>
+          <a:noFill/>
+          <a:extLst>
+            <a:ext uri="{909E8E84-426E-40DD-AFC4-6F175D3DCCD1}">
+              <a14:hiddenFill xmlns:a14="http://schemas.microsoft.com/office/drawing/2010/main">
+                <a:solidFill>
+                  <a:srgbClr val="FFFFFF"/>
+                </a:solidFill>
+              </a14:hiddenFill>
+            </a:ext>
+          </a:extLst>
         </p:spPr>
       </p:pic>
+      <p:sp>
+        <p:nvSpPr>
+          <p:cNvPr id="6" name="TextBox 5">
+            <a:extLst>
+              <a:ext uri="{FF2B5EF4-FFF2-40B4-BE49-F238E27FC236}">
+                <a16:creationId xmlns:a16="http://schemas.microsoft.com/office/drawing/2014/main" id="{CEF9CBE9-8E64-1222-5A1B-D72EECBDC0F9}"/>
+              </a:ext>
+            </a:extLst>
+          </p:cNvPr>
+          <p:cNvSpPr txBox="1"/>
+          <p:nvPr/>
+        </p:nvSpPr>
+        <p:spPr>
+          <a:xfrm>
+            <a:off x="6422943" y="1150510"/>
+            <a:ext cx="5223674" cy="461665"/>
+          </a:xfrm>
+          <a:prstGeom prst="rect">
+            <a:avLst/>
+          </a:prstGeom>
+          <a:noFill/>
+        </p:spPr>
+        <p:txBody>
+          <a:bodyPr wrap="none" rtlCol="0">
+            <a:spAutoFit/>
+          </a:bodyPr>
+          <a:lstStyle/>
+          <a:p>
+            <a:r>
+              <a:rPr lang="en-US" sz="2400" dirty="0"/>
+              <a:t>Adding mean flow just moves the center</a:t>
+            </a:r>
+          </a:p>
+        </p:txBody>
+      </p:sp>
     </p:spTree>
     <p:extLst>
       <p:ext uri="{BB962C8B-B14F-4D97-AF65-F5344CB8AC3E}">
-        <p14:creationId xmlns:p14="http://schemas.microsoft.com/office/powerpoint/2010/main" val="589754123"/>
+        <p14:creationId xmlns:p14="http://schemas.microsoft.com/office/powerpoint/2010/main" val="2523553611"/>
       </p:ext>
     </p:extLst>
   </p:cSld>
@@ -4131,7 +4099,7 @@
           <p:cNvPr id="2" name="Title 1">
             <a:extLst>
               <a:ext uri="{FF2B5EF4-FFF2-40B4-BE49-F238E27FC236}">
-                <a16:creationId xmlns:a16="http://schemas.microsoft.com/office/drawing/2014/main" id="{68EC5846-A6B2-8B72-EA98-4FD1FEB4607C}"/>
+                <a16:creationId xmlns:a16="http://schemas.microsoft.com/office/drawing/2014/main" id="{67FC86D0-9EE9-59ED-C5F2-6214AAF2191A}"/>
               </a:ext>
             </a:extLst>
           </p:cNvPr>
@@ -4142,86 +4110,211 @@
             <p:ph type="title"/>
           </p:nvPr>
         </p:nvSpPr>
-        <p:spPr/>
-        <p:txBody>
-          <a:bodyPr/>
+        <p:spPr>
+          <a:xfrm>
+            <a:off x="838200" y="286612"/>
+            <a:ext cx="10515600" cy="1325563"/>
+          </a:xfrm>
+        </p:spPr>
+        <p:txBody>
+          <a:bodyPr>
+            <a:normAutofit/>
+          </a:bodyPr>
           <a:lstStyle/>
           <a:p>
             <a:pPr algn="ctr"/>
             <a:r>
-              <a:rPr lang="en-US" dirty="0"/>
-              <a:t>More </a:t>
-            </a:r>
-            <a:r>
-              <a:rPr lang="en-US" i="1" dirty="0"/>
-              <a:t>italicized</a:t>
-            </a:r>
-            <a:r>
-              <a:rPr lang="en-US" dirty="0"/>
-              <a:t> words to learn carefully!</a:t>
-            </a:r>
-          </a:p>
-        </p:txBody>
-      </p:sp>
-      <p:sp>
-        <p:nvSpPr>
-          <p:cNvPr id="3" name="Content Placeholder 2">
-            <a:extLst>
-              <a:ext uri="{FF2B5EF4-FFF2-40B4-BE49-F238E27FC236}">
-                <a16:creationId xmlns:a16="http://schemas.microsoft.com/office/drawing/2014/main" id="{03EB22B8-5506-3134-A4A9-7A7A230D5B28}"/>
-              </a:ext>
-            </a:extLst>
-          </p:cNvPr>
-          <p:cNvSpPr>
-            <a:spLocks noGrp="1"/>
-          </p:cNvSpPr>
-          <p:nvPr>
-            <p:ph idx="1"/>
-          </p:nvPr>
-        </p:nvSpPr>
-        <p:spPr/>
-        <p:txBody>
-          <a:bodyPr/>
-          <a:lstStyle/>
-          <a:p>
-            <a:endParaRPr lang="en-US"/>
+              <a:rPr lang="en-US" b="1" dirty="0">
+                <a:solidFill>
+                  <a:srgbClr val="FF0000"/>
+                </a:solidFill>
+              </a:rPr>
+              <a:t>Important combinations</a:t>
+            </a:r>
+            <a:endParaRPr lang="en-US" dirty="0"/>
           </a:p>
         </p:txBody>
       </p:sp>
       <p:pic>
         <p:nvPicPr>
-          <p:cNvPr id="4" name="Picture 3">
-            <a:extLst>
-              <a:ext uri="{FF2B5EF4-FFF2-40B4-BE49-F238E27FC236}">
-                <a16:creationId xmlns:a16="http://schemas.microsoft.com/office/drawing/2014/main" id="{A6F30352-7CBC-6858-BD1B-F37CBA485C16}"/>
+          <p:cNvPr id="2050" name="Picture 2">
+            <a:extLst>
+              <a:ext uri="{FF2B5EF4-FFF2-40B4-BE49-F238E27FC236}">
+                <a16:creationId xmlns:a16="http://schemas.microsoft.com/office/drawing/2014/main" id="{A8156165-B128-B2F5-8395-CBFCA479C72E}"/>
               </a:ext>
             </a:extLst>
           </p:cNvPr>
           <p:cNvPicPr>
-            <a:picLocks noChangeAspect="1"/>
+            <a:picLocks noChangeAspect="1" noChangeArrowheads="1"/>
           </p:cNvPicPr>
           <p:nvPr/>
         </p:nvPicPr>
         <p:blipFill>
-          <a:blip r:embed="rId2"/>
+          <a:blip r:embed="rId2">
+            <a:extLst>
+              <a:ext uri="{28A0092B-C50C-407E-A947-70E740481C1C}">
+                <a14:useLocalDpi xmlns:a14="http://schemas.microsoft.com/office/drawing/2010/main" val="0"/>
+              </a:ext>
+            </a:extLst>
+          </a:blip>
+          <a:srcRect/>
           <a:stretch>
             <a:fillRect/>
           </a:stretch>
         </p:blipFill>
-        <p:spPr>
-          <a:xfrm>
-            <a:off x="838200" y="1587086"/>
-            <a:ext cx="10596216" cy="5027402"/>
+        <p:spPr bwMode="auto">
+          <a:xfrm>
+            <a:off x="519044" y="1612175"/>
+            <a:ext cx="5113793" cy="5039139"/>
           </a:xfrm>
           <a:prstGeom prst="rect">
             <a:avLst/>
           </a:prstGeom>
+          <a:noFill/>
+          <a:extLst>
+            <a:ext uri="{909E8E84-426E-40DD-AFC4-6F175D3DCCD1}">
+              <a14:hiddenFill xmlns:a14="http://schemas.microsoft.com/office/drawing/2010/main">
+                <a:solidFill>
+                  <a:srgbClr val="FFFFFF"/>
+                </a:solidFill>
+              </a14:hiddenFill>
+            </a:ext>
+          </a:extLst>
+        </p:spPr>
+      </p:pic>
+      <p:sp>
+        <p:nvSpPr>
+          <p:cNvPr id="5" name="TextBox 4">
+            <a:extLst>
+              <a:ext uri="{FF2B5EF4-FFF2-40B4-BE49-F238E27FC236}">
+                <a16:creationId xmlns:a16="http://schemas.microsoft.com/office/drawing/2014/main" id="{4EAF07A6-F5F5-CE87-49E5-BAD942787943}"/>
+              </a:ext>
+            </a:extLst>
+          </p:cNvPr>
+          <p:cNvSpPr txBox="1"/>
+          <p:nvPr/>
+        </p:nvSpPr>
+        <p:spPr>
+          <a:xfrm>
+            <a:off x="519044" y="1222965"/>
+            <a:ext cx="3473323" cy="461665"/>
+          </a:xfrm>
+          <a:prstGeom prst="rect">
+            <a:avLst/>
+          </a:prstGeom>
+          <a:noFill/>
+        </p:spPr>
+        <p:txBody>
+          <a:bodyPr wrap="none" rtlCol="0">
+            <a:spAutoFit/>
+          </a:bodyPr>
+          <a:lstStyle/>
+          <a:p>
+            <a:r>
+              <a:rPr lang="en-US" sz="2400" dirty="0" err="1"/>
+              <a:t>curvey</a:t>
+            </a:r>
+            <a:r>
+              <a:rPr lang="en-US" sz="2400" dirty="0"/>
+              <a:t> + </a:t>
+            </a:r>
+            <a:r>
+              <a:rPr lang="en-US" sz="2400" dirty="0" err="1"/>
+              <a:t>curvey</a:t>
+            </a:r>
+            <a:r>
+              <a:rPr lang="en-US" sz="2400" dirty="0"/>
+              <a:t> = straight!</a:t>
+            </a:r>
+          </a:p>
+        </p:txBody>
+      </p:sp>
+      <p:sp>
+        <p:nvSpPr>
+          <p:cNvPr id="6" name="TextBox 5">
+            <a:extLst>
+              <a:ext uri="{FF2B5EF4-FFF2-40B4-BE49-F238E27FC236}">
+                <a16:creationId xmlns:a16="http://schemas.microsoft.com/office/drawing/2014/main" id="{CEF9CBE9-8E64-1222-5A1B-D72EECBDC0F9}"/>
+              </a:ext>
+            </a:extLst>
+          </p:cNvPr>
+          <p:cNvSpPr txBox="1"/>
+          <p:nvPr/>
+        </p:nvSpPr>
+        <p:spPr>
+          <a:xfrm>
+            <a:off x="6422943" y="1150510"/>
+            <a:ext cx="5223674" cy="461665"/>
+          </a:xfrm>
+          <a:prstGeom prst="rect">
+            <a:avLst/>
+          </a:prstGeom>
+          <a:noFill/>
+        </p:spPr>
+        <p:txBody>
+          <a:bodyPr wrap="none" rtlCol="0">
+            <a:spAutoFit/>
+          </a:bodyPr>
+          <a:lstStyle/>
+          <a:p>
+            <a:r>
+              <a:rPr lang="en-US" sz="2400" dirty="0"/>
+              <a:t>Adding mean flow just moves the center</a:t>
+            </a:r>
+          </a:p>
+        </p:txBody>
+      </p:sp>
+      <p:pic>
+        <p:nvPicPr>
+          <p:cNvPr id="4098" name="Picture 2">
+            <a:extLst>
+              <a:ext uri="{FF2B5EF4-FFF2-40B4-BE49-F238E27FC236}">
+                <a16:creationId xmlns:a16="http://schemas.microsoft.com/office/drawing/2014/main" id="{39C49235-D0B2-A66C-4185-8992FED35D1D}"/>
+              </a:ext>
+            </a:extLst>
+          </p:cNvPr>
+          <p:cNvPicPr>
+            <a:picLocks noChangeAspect="1" noChangeArrowheads="1"/>
+          </p:cNvPicPr>
+          <p:nvPr/>
+        </p:nvPicPr>
+        <p:blipFill>
+          <a:blip r:embed="rId3">
+            <a:extLst>
+              <a:ext uri="{28A0092B-C50C-407E-A947-70E740481C1C}">
+                <a14:useLocalDpi xmlns:a14="http://schemas.microsoft.com/office/drawing/2010/main" val="0"/>
+              </a:ext>
+            </a:extLst>
+          </a:blip>
+          <a:srcRect/>
+          <a:stretch>
+            <a:fillRect/>
+          </a:stretch>
+        </p:blipFill>
+        <p:spPr bwMode="auto">
+          <a:xfrm>
+            <a:off x="6422943" y="1612174"/>
+            <a:ext cx="5113794" cy="5039140"/>
+          </a:xfrm>
+          <a:prstGeom prst="rect">
+            <a:avLst/>
+          </a:prstGeom>
+          <a:noFill/>
+          <a:extLst>
+            <a:ext uri="{909E8E84-426E-40DD-AFC4-6F175D3DCCD1}">
+              <a14:hiddenFill xmlns:a14="http://schemas.microsoft.com/office/drawing/2010/main">
+                <a:solidFill>
+                  <a:srgbClr val="FFFFFF"/>
+                </a:solidFill>
+              </a14:hiddenFill>
+            </a:ext>
+          </a:extLst>
         </p:spPr>
       </p:pic>
     </p:spTree>
     <p:extLst>
       <p:ext uri="{BB962C8B-B14F-4D97-AF65-F5344CB8AC3E}">
-        <p14:creationId xmlns:p14="http://schemas.microsoft.com/office/powerpoint/2010/main" val="3681836775"/>
+        <p14:creationId xmlns:p14="http://schemas.microsoft.com/office/powerpoint/2010/main" val="3317553231"/>
       </p:ext>
     </p:extLst>
   </p:cSld>
@@ -4253,7 +4346,7 @@
           <p:cNvPr id="2" name="Title 1">
             <a:extLst>
               <a:ext uri="{FF2B5EF4-FFF2-40B4-BE49-F238E27FC236}">
-                <a16:creationId xmlns:a16="http://schemas.microsoft.com/office/drawing/2014/main" id="{3BE97C06-29DC-A8CC-92CD-924242528B0E}"/>
+                <a16:creationId xmlns:a16="http://schemas.microsoft.com/office/drawing/2014/main" id="{68EC5846-A6B2-8B72-EA98-4FD1FEB4607C}"/>
               </a:ext>
             </a:extLst>
           </p:cNvPr>
@@ -4272,7 +4365,15 @@
             <a:pPr algn="ctr"/>
             <a:r>
               <a:rPr lang="en-US" dirty="0"/>
-              <a:t>Which are these?</a:t>
+              <a:t>More </a:t>
+            </a:r>
+            <a:r>
+              <a:rPr lang="en-US" i="1" dirty="0"/>
+              <a:t>italicized</a:t>
+            </a:r>
+            <a:r>
+              <a:rPr lang="en-US" dirty="0"/>
+              <a:t> words to learn carefully!</a:t>
             </a:r>
           </a:p>
         </p:txBody>
@@ -4282,7 +4383,7 @@
           <p:cNvPr id="3" name="Content Placeholder 2">
             <a:extLst>
               <a:ext uri="{FF2B5EF4-FFF2-40B4-BE49-F238E27FC236}">
-                <a16:creationId xmlns:a16="http://schemas.microsoft.com/office/drawing/2014/main" id="{B979AC3B-B386-6082-F66D-7E536E65B570}"/>
+                <a16:creationId xmlns:a16="http://schemas.microsoft.com/office/drawing/2014/main" id="{03EB22B8-5506-3134-A4A9-7A7A230D5B28}"/>
               </a:ext>
             </a:extLst>
           </p:cNvPr>
@@ -4298,56 +4399,44 @@
           <a:bodyPr/>
           <a:lstStyle/>
           <a:p>
-            <a:r>
-              <a:rPr lang="en-US" dirty="0">
-                <a:hlinkClick r:id="rId2"/>
-              </a:rPr>
-              <a:t>earth.nullschool.net</a:t>
-            </a:r>
-            <a:endParaRPr lang="en-US" dirty="0"/>
-          </a:p>
-          <a:p>
-            <a:endParaRPr lang="en-US" dirty="0"/>
-          </a:p>
-          <a:p>
-            <a:r>
-              <a:rPr lang="en-US" dirty="0">
-                <a:hlinkClick r:id="rId3"/>
-              </a:rPr>
-              <a:t>windy.com</a:t>
-            </a:r>
-            <a:endParaRPr lang="en-US" dirty="0"/>
-          </a:p>
-          <a:p>
-            <a:endParaRPr lang="en-US" dirty="0"/>
-          </a:p>
-          <a:p>
-            <a:r>
-              <a:rPr lang="en-US" dirty="0">
-                <a:hlinkClick r:id="rId4"/>
-              </a:rPr>
-              <a:t>hysplit</a:t>
-            </a:r>
-            <a:r>
-              <a:rPr lang="en-US" dirty="0"/>
-              <a:t> </a:t>
-            </a:r>
-          </a:p>
-          <a:p>
-            <a:endParaRPr lang="en-US" dirty="0"/>
-          </a:p>
-          <a:p>
-            <a:r>
-              <a:rPr lang="en-US" i="1" dirty="0"/>
-              <a:t>Can streamlines ever cross? </a:t>
-            </a:r>
-          </a:p>
-        </p:txBody>
-      </p:sp>
+            <a:endParaRPr lang="en-US"/>
+          </a:p>
+        </p:txBody>
+      </p:sp>
+      <p:pic>
+        <p:nvPicPr>
+          <p:cNvPr id="4" name="Picture 3">
+            <a:extLst>
+              <a:ext uri="{FF2B5EF4-FFF2-40B4-BE49-F238E27FC236}">
+                <a16:creationId xmlns:a16="http://schemas.microsoft.com/office/drawing/2014/main" id="{A6F30352-7CBC-6858-BD1B-F37CBA485C16}"/>
+              </a:ext>
+            </a:extLst>
+          </p:cNvPr>
+          <p:cNvPicPr>
+            <a:picLocks noChangeAspect="1"/>
+          </p:cNvPicPr>
+          <p:nvPr/>
+        </p:nvPicPr>
+        <p:blipFill>
+          <a:blip r:embed="rId2"/>
+          <a:stretch>
+            <a:fillRect/>
+          </a:stretch>
+        </p:blipFill>
+        <p:spPr>
+          <a:xfrm>
+            <a:off x="838200" y="1587086"/>
+            <a:ext cx="10596216" cy="5027402"/>
+          </a:xfrm>
+          <a:prstGeom prst="rect">
+            <a:avLst/>
+          </a:prstGeom>
+        </p:spPr>
+      </p:pic>
     </p:spTree>
     <p:extLst>
       <p:ext uri="{BB962C8B-B14F-4D97-AF65-F5344CB8AC3E}">
-        <p14:creationId xmlns:p14="http://schemas.microsoft.com/office/powerpoint/2010/main" val="2779343203"/>
+        <p14:creationId xmlns:p14="http://schemas.microsoft.com/office/powerpoint/2010/main" val="3681836775"/>
       </p:ext>
     </p:extLst>
   </p:cSld>
@@ -4379,7 +4468,7 @@
           <p:cNvPr id="2" name="Title 1">
             <a:extLst>
               <a:ext uri="{FF2B5EF4-FFF2-40B4-BE49-F238E27FC236}">
-                <a16:creationId xmlns:a16="http://schemas.microsoft.com/office/drawing/2014/main" id="{0F2597A0-1BF1-101E-AEA3-0AA29C3D4BAF}"/>
+                <a16:creationId xmlns:a16="http://schemas.microsoft.com/office/drawing/2014/main" id="{3BE97C06-29DC-A8CC-92CD-924242528B0E}"/>
               </a:ext>
             </a:extLst>
           </p:cNvPr>
@@ -4390,169 +4479,90 @@
             <p:ph type="title"/>
           </p:nvPr>
         </p:nvSpPr>
-        <p:spPr>
-          <a:xfrm>
-            <a:off x="838200" y="365125"/>
-            <a:ext cx="10515600" cy="1602823"/>
-          </a:xfrm>
-        </p:spPr>
+        <p:spPr/>
         <p:txBody>
           <a:bodyPr/>
           <a:lstStyle/>
           <a:p>
+            <a:pPr algn="ctr"/>
             <a:r>
               <a:rPr lang="en-US" dirty="0"/>
-              <a:t>Streamlines and </a:t>
-            </a:r>
-            <a:br>
-              <a:rPr lang="en-US" dirty="0"/>
-            </a:br>
-            <a:r>
-              <a:rPr lang="en-US" dirty="0" err="1"/>
-              <a:t>stream</a:t>
-            </a:r>
-            <a:r>
-              <a:rPr lang="en-US" i="1" dirty="0" err="1"/>
-              <a:t>function</a:t>
+              <a:t>Which are these?</a:t>
+            </a:r>
+          </a:p>
+        </p:txBody>
+      </p:sp>
+      <p:sp>
+        <p:nvSpPr>
+          <p:cNvPr id="3" name="Content Placeholder 2">
+            <a:extLst>
+              <a:ext uri="{FF2B5EF4-FFF2-40B4-BE49-F238E27FC236}">
+                <a16:creationId xmlns:a16="http://schemas.microsoft.com/office/drawing/2014/main" id="{B979AC3B-B386-6082-F66D-7E536E65B570}"/>
+              </a:ext>
+            </a:extLst>
+          </p:cNvPr>
+          <p:cNvSpPr>
+            <a:spLocks noGrp="1"/>
+          </p:cNvSpPr>
+          <p:nvPr>
+            <p:ph idx="1"/>
+          </p:nvPr>
+        </p:nvSpPr>
+        <p:spPr/>
+        <p:txBody>
+          <a:bodyPr/>
+          <a:lstStyle/>
+          <a:p>
+            <a:r>
+              <a:rPr lang="en-US" dirty="0">
+                <a:hlinkClick r:id="rId2"/>
+              </a:rPr>
+              <a:t>earth.nullschool.net</a:t>
+            </a:r>
+            <a:endParaRPr lang="en-US" dirty="0"/>
+          </a:p>
+          <a:p>
+            <a:endParaRPr lang="en-US" dirty="0"/>
+          </a:p>
+          <a:p>
+            <a:r>
+              <a:rPr lang="en-US" dirty="0">
+                <a:hlinkClick r:id="rId3"/>
+              </a:rPr>
+              <a:t>windy.com</a:t>
+            </a:r>
+            <a:endParaRPr lang="en-US" dirty="0"/>
+          </a:p>
+          <a:p>
+            <a:endParaRPr lang="en-US" dirty="0"/>
+          </a:p>
+          <a:p>
+            <a:r>
+              <a:rPr lang="en-US" dirty="0">
+                <a:hlinkClick r:id="rId4"/>
+              </a:rPr>
+              <a:t>hysplit</a:t>
             </a:r>
             <a:r>
               <a:rPr lang="en-US" dirty="0"/>
               <a:t> </a:t>
             </a:r>
           </a:p>
-        </p:txBody>
-      </p:sp>
-      <p:pic>
-        <p:nvPicPr>
-          <p:cNvPr id="4" name="Content Placeholder 3">
-            <a:extLst>
-              <a:ext uri="{FF2B5EF4-FFF2-40B4-BE49-F238E27FC236}">
-                <a16:creationId xmlns:a16="http://schemas.microsoft.com/office/drawing/2014/main" id="{94F682EA-9280-453A-DF2B-2402A7B8A4E0}"/>
-              </a:ext>
-            </a:extLst>
-          </p:cNvPr>
-          <p:cNvPicPr>
-            <a:picLocks noGrp="1" noChangeAspect="1"/>
-          </p:cNvPicPr>
-          <p:nvPr>
-            <p:ph idx="1"/>
-          </p:nvPr>
-        </p:nvPicPr>
-        <p:blipFill>
-          <a:blip r:embed="rId2"/>
-          <a:stretch>
-            <a:fillRect/>
-          </a:stretch>
-        </p:blipFill>
-        <p:spPr>
-          <a:xfrm>
-            <a:off x="5913782" y="153563"/>
-            <a:ext cx="5019259" cy="6550873"/>
-          </a:xfrm>
-          <a:prstGeom prst="rect">
-            <a:avLst/>
-          </a:prstGeom>
-        </p:spPr>
-      </p:pic>
-      <p:sp>
-        <p:nvSpPr>
-          <p:cNvPr id="5" name="TextBox 4">
-            <a:extLst>
-              <a:ext uri="{FF2B5EF4-FFF2-40B4-BE49-F238E27FC236}">
-                <a16:creationId xmlns:a16="http://schemas.microsoft.com/office/drawing/2014/main" id="{CF59D167-45F7-DD44-D4B5-EC1EF7DCCEEA}"/>
-              </a:ext>
-            </a:extLst>
-          </p:cNvPr>
-          <p:cNvSpPr txBox="1"/>
-          <p:nvPr/>
-        </p:nvSpPr>
-        <p:spPr>
-          <a:xfrm>
-            <a:off x="2186609" y="3170583"/>
-            <a:ext cx="1785617" cy="369332"/>
-          </a:xfrm>
-          <a:prstGeom prst="rect">
-            <a:avLst/>
-          </a:prstGeom>
-          <a:noFill/>
-        </p:spPr>
-        <p:txBody>
-          <a:bodyPr wrap="none" rtlCol="0">
-            <a:spAutoFit/>
-          </a:bodyPr>
-          <a:lstStyle/>
-          <a:p>
-            <a:r>
-              <a:rPr lang="en-US" dirty="0"/>
-              <a:t>Board problems?</a:t>
-            </a:r>
-          </a:p>
-        </p:txBody>
-      </p:sp>
-      <p:pic>
-        <p:nvPicPr>
-          <p:cNvPr id="6" name="Picture 5">
-            <a:extLst>
-              <a:ext uri="{FF2B5EF4-FFF2-40B4-BE49-F238E27FC236}">
-                <a16:creationId xmlns:a16="http://schemas.microsoft.com/office/drawing/2014/main" id="{EFB29F65-EE48-F3B9-13F4-3FFA6C7950B6}"/>
-              </a:ext>
-            </a:extLst>
-          </p:cNvPr>
-          <p:cNvPicPr>
-            <a:picLocks noChangeAspect="1"/>
-          </p:cNvPicPr>
-          <p:nvPr/>
-        </p:nvPicPr>
-        <p:blipFill>
-          <a:blip r:embed="rId3"/>
-          <a:stretch>
-            <a:fillRect/>
-          </a:stretch>
-        </p:blipFill>
-        <p:spPr>
-          <a:xfrm>
-            <a:off x="226407" y="4195897"/>
-            <a:ext cx="5790080" cy="1834262"/>
-          </a:xfrm>
-          <a:prstGeom prst="rect">
-            <a:avLst/>
-          </a:prstGeom>
-        </p:spPr>
-      </p:pic>
-      <p:pic>
-        <p:nvPicPr>
-          <p:cNvPr id="7" name="Picture 6">
-            <a:extLst>
-              <a:ext uri="{FF2B5EF4-FFF2-40B4-BE49-F238E27FC236}">
-                <a16:creationId xmlns:a16="http://schemas.microsoft.com/office/drawing/2014/main" id="{4F43707E-F2C0-7655-9633-4F9BAFC661C4}"/>
-              </a:ext>
-            </a:extLst>
-          </p:cNvPr>
-          <p:cNvPicPr>
-            <a:picLocks noChangeAspect="1"/>
-          </p:cNvPicPr>
-          <p:nvPr/>
-        </p:nvPicPr>
-        <p:blipFill>
-          <a:blip r:embed="rId4"/>
-          <a:stretch>
-            <a:fillRect/>
-          </a:stretch>
-        </p:blipFill>
-        <p:spPr>
-          <a:xfrm>
-            <a:off x="264500" y="5897397"/>
-            <a:ext cx="5911015" cy="807039"/>
-          </a:xfrm>
-          <a:prstGeom prst="rect">
-            <a:avLst/>
-          </a:prstGeom>
-        </p:spPr>
-      </p:pic>
+          <a:p>
+            <a:endParaRPr lang="en-US" dirty="0"/>
+          </a:p>
+          <a:p>
+            <a:r>
+              <a:rPr lang="en-US" i="1" dirty="0"/>
+              <a:t>Can streamlines ever cross? </a:t>
+            </a:r>
+          </a:p>
+        </p:txBody>
+      </p:sp>
     </p:spTree>
     <p:extLst>
       <p:ext uri="{BB962C8B-B14F-4D97-AF65-F5344CB8AC3E}">
-        <p14:creationId xmlns:p14="http://schemas.microsoft.com/office/powerpoint/2010/main" val="3951335766"/>
+        <p14:creationId xmlns:p14="http://schemas.microsoft.com/office/powerpoint/2010/main" val="2779343203"/>
       </p:ext>
     </p:extLst>
   </p:cSld>
@@ -4579,6 +4589,176 @@
           <a:chExt cx="0" cy="0"/>
         </a:xfrm>
       </p:grpSpPr>
+      <p:sp>
+        <p:nvSpPr>
+          <p:cNvPr id="2" name="Title 1">
+            <a:extLst>
+              <a:ext uri="{FF2B5EF4-FFF2-40B4-BE49-F238E27FC236}">
+                <a16:creationId xmlns:a16="http://schemas.microsoft.com/office/drawing/2014/main" id="{0F2597A0-1BF1-101E-AEA3-0AA29C3D4BAF}"/>
+              </a:ext>
+            </a:extLst>
+          </p:cNvPr>
+          <p:cNvSpPr>
+            <a:spLocks noGrp="1"/>
+          </p:cNvSpPr>
+          <p:nvPr>
+            <p:ph type="title"/>
+          </p:nvPr>
+        </p:nvSpPr>
+        <p:spPr>
+          <a:xfrm>
+            <a:off x="838200" y="365125"/>
+            <a:ext cx="10515600" cy="1602823"/>
+          </a:xfrm>
+        </p:spPr>
+        <p:txBody>
+          <a:bodyPr/>
+          <a:lstStyle/>
+          <a:p>
+            <a:r>
+              <a:rPr lang="en-US" dirty="0"/>
+              <a:t>Streamlines and </a:t>
+            </a:r>
+            <a:br>
+              <a:rPr lang="en-US" dirty="0"/>
+            </a:br>
+            <a:r>
+              <a:rPr lang="en-US" dirty="0" err="1"/>
+              <a:t>stream</a:t>
+            </a:r>
+            <a:r>
+              <a:rPr lang="en-US" i="1" dirty="0" err="1"/>
+              <a:t>function</a:t>
+            </a:r>
+            <a:r>
+              <a:rPr lang="en-US" dirty="0"/>
+              <a:t> </a:t>
+            </a:r>
+          </a:p>
+        </p:txBody>
+      </p:sp>
+      <p:pic>
+        <p:nvPicPr>
+          <p:cNvPr id="4" name="Content Placeholder 3">
+            <a:extLst>
+              <a:ext uri="{FF2B5EF4-FFF2-40B4-BE49-F238E27FC236}">
+                <a16:creationId xmlns:a16="http://schemas.microsoft.com/office/drawing/2014/main" id="{94F682EA-9280-453A-DF2B-2402A7B8A4E0}"/>
+              </a:ext>
+            </a:extLst>
+          </p:cNvPr>
+          <p:cNvPicPr>
+            <a:picLocks noGrp="1" noChangeAspect="1"/>
+          </p:cNvPicPr>
+          <p:nvPr>
+            <p:ph idx="1"/>
+          </p:nvPr>
+        </p:nvPicPr>
+        <p:blipFill>
+          <a:blip r:embed="rId2"/>
+          <a:stretch>
+            <a:fillRect/>
+          </a:stretch>
+        </p:blipFill>
+        <p:spPr>
+          <a:xfrm>
+            <a:off x="5913782" y="153563"/>
+            <a:ext cx="5019259" cy="6550873"/>
+          </a:xfrm>
+          <a:prstGeom prst="rect">
+            <a:avLst/>
+          </a:prstGeom>
+        </p:spPr>
+      </p:pic>
+      <p:pic>
+        <p:nvPicPr>
+          <p:cNvPr id="6" name="Picture 5">
+            <a:extLst>
+              <a:ext uri="{FF2B5EF4-FFF2-40B4-BE49-F238E27FC236}">
+                <a16:creationId xmlns:a16="http://schemas.microsoft.com/office/drawing/2014/main" id="{EFB29F65-EE48-F3B9-13F4-3FFA6C7950B6}"/>
+              </a:ext>
+            </a:extLst>
+          </p:cNvPr>
+          <p:cNvPicPr>
+            <a:picLocks noChangeAspect="1"/>
+          </p:cNvPicPr>
+          <p:nvPr/>
+        </p:nvPicPr>
+        <p:blipFill>
+          <a:blip r:embed="rId3"/>
+          <a:stretch>
+            <a:fillRect/>
+          </a:stretch>
+        </p:blipFill>
+        <p:spPr>
+          <a:xfrm>
+            <a:off x="194101" y="3825419"/>
+            <a:ext cx="5790080" cy="1834262"/>
+          </a:xfrm>
+          <a:prstGeom prst="rect">
+            <a:avLst/>
+          </a:prstGeom>
+        </p:spPr>
+      </p:pic>
+      <p:pic>
+        <p:nvPicPr>
+          <p:cNvPr id="7" name="Picture 6">
+            <a:extLst>
+              <a:ext uri="{FF2B5EF4-FFF2-40B4-BE49-F238E27FC236}">
+                <a16:creationId xmlns:a16="http://schemas.microsoft.com/office/drawing/2014/main" id="{4F43707E-F2C0-7655-9633-4F9BAFC661C4}"/>
+              </a:ext>
+            </a:extLst>
+          </p:cNvPr>
+          <p:cNvPicPr>
+            <a:picLocks noChangeAspect="1"/>
+          </p:cNvPicPr>
+          <p:nvPr/>
+        </p:nvPicPr>
+        <p:blipFill>
+          <a:blip r:embed="rId4"/>
+          <a:stretch>
+            <a:fillRect/>
+          </a:stretch>
+        </p:blipFill>
+        <p:spPr>
+          <a:xfrm>
+            <a:off x="194101" y="5685836"/>
+            <a:ext cx="5911015" cy="807039"/>
+          </a:xfrm>
+          <a:prstGeom prst="rect">
+            <a:avLst/>
+          </a:prstGeom>
+        </p:spPr>
+      </p:pic>
+    </p:spTree>
+    <p:extLst>
+      <p:ext uri="{BB962C8B-B14F-4D97-AF65-F5344CB8AC3E}">
+        <p14:creationId xmlns:p14="http://schemas.microsoft.com/office/powerpoint/2010/main" val="3951335766"/>
+      </p:ext>
+    </p:extLst>
+  </p:cSld>
+  <p:clrMapOvr>
+    <a:masterClrMapping/>
+  </p:clrMapOvr>
+</p:sld>
+</file>
+
+<file path=ppt/slides/slide17.xml><?xml version="1.0" encoding="utf-8"?>
+<p:sld xmlns:a="http://schemas.openxmlformats.org/drawingml/2006/main" xmlns:r="http://schemas.openxmlformats.org/officeDocument/2006/relationships" xmlns:p="http://schemas.openxmlformats.org/presentationml/2006/main">
+  <p:cSld>
+    <p:spTree>
+      <p:nvGrpSpPr>
+        <p:cNvPr id="1" name=""/>
+        <p:cNvGrpSpPr/>
+        <p:nvPr/>
+      </p:nvGrpSpPr>
+      <p:grpSpPr>
+        <a:xfrm>
+          <a:off x="0" y="0"/>
+          <a:ext cx="0" cy="0"/>
+          <a:chOff x="0" y="0"/>
+          <a:chExt cx="0" cy="0"/>
+        </a:xfrm>
+      </p:grpSpPr>
       <p:pic>
         <p:nvPicPr>
           <p:cNvPr id="6" name="Picture 5">
@@ -4632,7 +4812,7 @@
           <a:p>
             <a:r>
               <a:rPr lang="en-US" dirty="0"/>
-              <a:t>Harder one (board?)</a:t>
+              <a:t>Harder one</a:t>
             </a:r>
           </a:p>
         </p:txBody>
@@ -4844,6 +5024,14 @@
 <file path=ppt/slides/slide3.xml><?xml version="1.0" encoding="utf-8"?>
 <p:sld xmlns:a="http://schemas.openxmlformats.org/drawingml/2006/main" xmlns:r="http://schemas.openxmlformats.org/officeDocument/2006/relationships" xmlns:p="http://schemas.openxmlformats.org/presentationml/2006/main">
   <p:cSld>
+    <p:bg>
+      <p:bgPr>
+        <a:solidFill>
+          <a:schemeClr val="bg1"/>
+        </a:solidFill>
+        <a:effectLst/>
+      </p:bgPr>
+    </p:bg>
     <p:spTree>
       <p:nvGrpSpPr>
         <p:cNvPr id="1" name=""/>
@@ -4858,6 +5046,165 @@
           <a:chExt cx="0" cy="0"/>
         </a:xfrm>
       </p:grpSpPr>
+      <p:sp useBgFill="1">
+        <p:nvSpPr>
+          <p:cNvPr id="1036" name="Rectangle 1035">
+            <a:extLst>
+              <a:ext uri="{FF2B5EF4-FFF2-40B4-BE49-F238E27FC236}">
+                <a16:creationId xmlns:a16="http://schemas.microsoft.com/office/drawing/2014/main" id="{385E1BDC-A9B0-4A87-82E3-F3187F69A802}"/>
+              </a:ext>
+              <a:ext uri="{C183D7F6-B498-43B3-948B-1728B52AA6E4}">
+                <adec:decorative xmlns:adec="http://schemas.microsoft.com/office/drawing/2017/decorative" val="1"/>
+              </a:ext>
+            </a:extLst>
+          </p:cNvPr>
+          <p:cNvSpPr>
+            <a:spLocks noGrp="1" noRot="1" noChangeAspect="1" noMove="1" noResize="1" noEditPoints="1" noAdjustHandles="1" noChangeArrowheads="1" noChangeShapeType="1" noTextEdit="1"/>
+          </p:cNvSpPr>
+          <p:nvPr>
+            <p:extLst>
+              <p:ext uri="{386F3935-93C4-4BCD-93E2-E3B085C9AB24}">
+                <p16:designElem xmlns:p16="http://schemas.microsoft.com/office/powerpoint/2015/main" val="1"/>
+              </p:ext>
+            </p:extLst>
+          </p:nvPr>
+        </p:nvSpPr>
+        <p:spPr>
+          <a:xfrm>
+            <a:off x="0" y="0"/>
+            <a:ext cx="12192000" cy="6858000"/>
+          </a:xfrm>
+          <a:prstGeom prst="rect">
+            <a:avLst/>
+          </a:prstGeom>
+          <a:ln>
+            <a:noFill/>
+          </a:ln>
+        </p:spPr>
+        <p:style>
+          <a:lnRef idx="2">
+            <a:schemeClr val="accent1">
+              <a:shade val="50000"/>
+            </a:schemeClr>
+          </a:lnRef>
+          <a:fillRef idx="1">
+            <a:schemeClr val="accent1"/>
+          </a:fillRef>
+          <a:effectRef idx="0">
+            <a:schemeClr val="accent1"/>
+          </a:effectRef>
+          <a:fontRef idx="minor">
+            <a:schemeClr val="lt1"/>
+          </a:fontRef>
+        </p:style>
+        <p:txBody>
+          <a:bodyPr rtlCol="0" anchor="ctr"/>
+          <a:lstStyle/>
+          <a:p>
+            <a:pPr algn="ctr"/>
+            <a:endParaRPr lang="en-US"/>
+          </a:p>
+        </p:txBody>
+      </p:sp>
+      <p:sp useBgFill="1">
+        <p:nvSpPr>
+          <p:cNvPr id="1038" name="Rectangle 1037">
+            <a:extLst>
+              <a:ext uri="{FF2B5EF4-FFF2-40B4-BE49-F238E27FC236}">
+                <a16:creationId xmlns:a16="http://schemas.microsoft.com/office/drawing/2014/main" id="{0990C621-3B8B-4820-8328-D47EF7CE823C}"/>
+              </a:ext>
+              <a:ext uri="{C183D7F6-B498-43B3-948B-1728B52AA6E4}">
+                <adec:decorative xmlns:adec="http://schemas.microsoft.com/office/drawing/2017/decorative" val="1"/>
+              </a:ext>
+            </a:extLst>
+          </p:cNvPr>
+          <p:cNvSpPr>
+            <a:spLocks noGrp="1" noRot="1" noChangeAspect="1" noMove="1" noResize="1" noEditPoints="1" noAdjustHandles="1" noChangeArrowheads="1" noChangeShapeType="1" noTextEdit="1"/>
+          </p:cNvSpPr>
+          <p:nvPr>
+            <p:extLst>
+              <p:ext uri="{386F3935-93C4-4BCD-93E2-E3B085C9AB24}">
+                <p16:designElem xmlns:p16="http://schemas.microsoft.com/office/powerpoint/2015/main" val="1"/>
+              </p:ext>
+            </p:extLst>
+          </p:nvPr>
+        </p:nvSpPr>
+        <p:spPr>
+          <a:xfrm>
+            <a:off x="554416" y="365125"/>
+            <a:ext cx="11167447" cy="2089317"/>
+          </a:xfrm>
+          <a:prstGeom prst="rect">
+            <a:avLst/>
+          </a:prstGeom>
+          <a:ln w="12700">
+            <a:solidFill>
+              <a:srgbClr val="DEDEDE"/>
+            </a:solidFill>
+          </a:ln>
+          <a:effectLst>
+            <a:outerShdw blurRad="50800" dist="38100" dir="2700000" algn="tl" rotWithShape="0">
+              <a:schemeClr val="bg2">
+                <a:lumMod val="85000"/>
+                <a:alpha val="50000"/>
+              </a:schemeClr>
+            </a:outerShdw>
+          </a:effectLst>
+        </p:spPr>
+        <p:style>
+          <a:lnRef idx="2">
+            <a:schemeClr val="accent1">
+              <a:shade val="50000"/>
+            </a:schemeClr>
+          </a:lnRef>
+          <a:fillRef idx="1">
+            <a:schemeClr val="accent1"/>
+          </a:fillRef>
+          <a:effectRef idx="0">
+            <a:schemeClr val="accent1"/>
+          </a:effectRef>
+          <a:fontRef idx="minor">
+            <a:schemeClr val="lt1"/>
+          </a:fontRef>
+        </p:style>
+        <p:txBody>
+          <a:bodyPr rtlCol="0" anchor="ctr"/>
+          <a:lstStyle/>
+          <a:p>
+            <a:pPr marL="0" marR="0" lvl="0" indent="0" algn="ctr" defTabSz="914400" rtl="0" eaLnBrk="1" fontAlgn="auto" latinLnBrk="0" hangingPunct="1">
+              <a:lnSpc>
+                <a:spcPct val="100000"/>
+              </a:lnSpc>
+              <a:spcBef>
+                <a:spcPts val="0"/>
+              </a:spcBef>
+              <a:spcAft>
+                <a:spcPts val="0"/>
+              </a:spcAft>
+              <a:buClrTx/>
+              <a:buSzTx/>
+              <a:buFontTx/>
+              <a:buNone/>
+              <a:tabLst/>
+              <a:defRPr/>
+            </a:pPr>
+            <a:endParaRPr kumimoji="0" lang="en-US" sz="1800" b="0" i="0" u="none" strike="noStrike" kern="1200" cap="none" spc="0" normalizeH="0" baseline="0" noProof="0">
+              <a:ln>
+                <a:noFill/>
+              </a:ln>
+              <a:solidFill>
+                <a:prstClr val="white"/>
+              </a:solidFill>
+              <a:effectLst/>
+              <a:uLnTx/>
+              <a:uFillTx/>
+              <a:latin typeface="Calibri" panose="020F0502020204030204"/>
+              <a:ea typeface="+mn-ea"/>
+              <a:cs typeface="+mn-cs"/>
+            </a:endParaRPr>
+          </a:p>
+        </p:txBody>
+      </p:sp>
       <p:sp>
         <p:nvSpPr>
           <p:cNvPr id="2" name="Title 1">
@@ -4874,20 +5221,183 @@
             <p:ph type="title"/>
           </p:nvPr>
         </p:nvSpPr>
-        <p:spPr/>
-        <p:txBody>
-          <a:bodyPr/>
-          <a:lstStyle/>
-          <a:p>
-            <a:r>
-              <a:rPr lang="en-US" dirty="0"/>
-              <a:t>Streamlines and </a:t>
-            </a:r>
-            <a:r>
-              <a:rPr lang="en-US" dirty="0" err="1"/>
-              <a:t>isotachs</a:t>
-            </a:r>
-            <a:endParaRPr lang="en-US" dirty="0"/>
+        <p:spPr>
+          <a:xfrm>
+            <a:off x="590992" y="0"/>
+            <a:ext cx="4958901" cy="1728810"/>
+          </a:xfrm>
+        </p:spPr>
+        <p:txBody>
+          <a:bodyPr>
+            <a:normAutofit/>
+          </a:bodyPr>
+          <a:lstStyle/>
+          <a:p>
+            <a:r>
+              <a:rPr lang="en-US" sz="3200"/>
+              <a:t>Streamlines and isotachs: flow at an instant</a:t>
+            </a:r>
+          </a:p>
+        </p:txBody>
+      </p:sp>
+      <p:sp>
+        <p:nvSpPr>
+          <p:cNvPr id="1035" name="Rectangle 1034">
+            <a:extLst>
+              <a:ext uri="{FF2B5EF4-FFF2-40B4-BE49-F238E27FC236}">
+                <a16:creationId xmlns:a16="http://schemas.microsoft.com/office/drawing/2014/main" id="{C1A2385B-1D2A-4E17-84FA-6CB7F0AAE473}"/>
+              </a:ext>
+              <a:ext uri="{C183D7F6-B498-43B3-948B-1728B52AA6E4}">
+                <adec:decorative xmlns:adec="http://schemas.microsoft.com/office/drawing/2017/decorative" val="1"/>
+              </a:ext>
+            </a:extLst>
+          </p:cNvPr>
+          <p:cNvSpPr>
+            <a:spLocks noGrp="1" noRot="1" noChangeAspect="1" noMove="1" noResize="1" noEditPoints="1" noAdjustHandles="1" noChangeArrowheads="1" noChangeShapeType="1" noTextEdit="1"/>
+          </p:cNvSpPr>
+          <p:nvPr>
+            <p:extLst>
+              <p:ext uri="{386F3935-93C4-4BCD-93E2-E3B085C9AB24}">
+                <p16:designElem xmlns:p16="http://schemas.microsoft.com/office/powerpoint/2015/main" val="1"/>
+              </p:ext>
+            </p:extLst>
+          </p:nvPr>
+        </p:nvSpPr>
+        <p:spPr>
+          <a:xfrm>
+            <a:off x="490408" y="1057739"/>
+            <a:ext cx="128016" cy="704088"/>
+          </a:xfrm>
+          <a:prstGeom prst="rect">
+            <a:avLst/>
+          </a:prstGeom>
+          <a:solidFill>
+            <a:schemeClr val="accent2"/>
+          </a:solidFill>
+          <a:ln>
+            <a:noFill/>
+          </a:ln>
+        </p:spPr>
+        <p:style>
+          <a:lnRef idx="2">
+            <a:schemeClr val="accent1">
+              <a:shade val="50000"/>
+            </a:schemeClr>
+          </a:lnRef>
+          <a:fillRef idx="1">
+            <a:schemeClr val="accent1"/>
+          </a:fillRef>
+          <a:effectRef idx="0">
+            <a:schemeClr val="accent1"/>
+          </a:effectRef>
+          <a:fontRef idx="minor">
+            <a:schemeClr val="lt1"/>
+          </a:fontRef>
+        </p:style>
+        <p:txBody>
+          <a:bodyPr rtlCol="0" anchor="ctr"/>
+          <a:lstStyle/>
+          <a:p>
+            <a:pPr algn="ctr"/>
+            <a:endParaRPr lang="en-US" dirty="0">
+              <a:solidFill>
+                <a:prstClr val="white"/>
+              </a:solidFill>
+              <a:latin typeface="Calibri" panose="020F0502020204030204"/>
+            </a:endParaRPr>
+          </a:p>
+        </p:txBody>
+      </p:sp>
+      <p:sp>
+        <p:nvSpPr>
+          <p:cNvPr id="1037" name="Rectangle 1036">
+            <a:extLst>
+              <a:ext uri="{FF2B5EF4-FFF2-40B4-BE49-F238E27FC236}">
+                <a16:creationId xmlns:a16="http://schemas.microsoft.com/office/drawing/2014/main" id="{5E791F2F-79DB-4CC0-9FA1-001E3E91E8B7}"/>
+              </a:ext>
+              <a:ext uri="{C183D7F6-B498-43B3-948B-1728B52AA6E4}">
+                <adec:decorative xmlns:adec="http://schemas.microsoft.com/office/drawing/2017/decorative" val="1"/>
+              </a:ext>
+            </a:extLst>
+          </p:cNvPr>
+          <p:cNvSpPr>
+            <a:spLocks noGrp="1" noRot="1" noChangeAspect="1" noMove="1" noResize="1" noEditPoints="1" noAdjustHandles="1" noChangeArrowheads="1" noChangeShapeType="1" noTextEdit="1"/>
+          </p:cNvSpPr>
+          <p:nvPr>
+            <p:extLst>
+              <p:ext uri="{386F3935-93C4-4BCD-93E2-E3B085C9AB24}">
+                <p16:designElem xmlns:p16="http://schemas.microsoft.com/office/powerpoint/2015/main" val="1"/>
+              </p:ext>
+            </p:extLst>
+          </p:nvPr>
+        </p:nvSpPr>
+        <p:spPr>
+          <a:xfrm rot="5400000">
+            <a:off x="4243541" y="1400638"/>
+            <a:ext cx="1463040" cy="18288"/>
+          </a:xfrm>
+          <a:prstGeom prst="rect">
+            <a:avLst/>
+          </a:prstGeom>
+          <a:solidFill>
+            <a:srgbClr val="D5D5D5"/>
+          </a:solidFill>
+          <a:ln w="3175">
+            <a:noFill/>
+          </a:ln>
+          <a:effectLst/>
+        </p:spPr>
+        <p:style>
+          <a:lnRef idx="2">
+            <a:schemeClr val="accent1">
+              <a:shade val="50000"/>
+            </a:schemeClr>
+          </a:lnRef>
+          <a:fillRef idx="1">
+            <a:schemeClr val="accent1"/>
+          </a:fillRef>
+          <a:effectRef idx="0">
+            <a:schemeClr val="accent1"/>
+          </a:effectRef>
+          <a:fontRef idx="minor">
+            <a:schemeClr val="lt1"/>
+          </a:fontRef>
+        </p:style>
+        <p:txBody>
+          <a:bodyPr rtlCol="0" anchor="ctr"/>
+          <a:lstStyle/>
+          <a:p>
+            <a:pPr marL="0" marR="0" lvl="0" indent="0" algn="ctr" defTabSz="914400" rtl="0" eaLnBrk="1" fontAlgn="auto" latinLnBrk="0" hangingPunct="1">
+              <a:lnSpc>
+                <a:spcPct val="100000"/>
+              </a:lnSpc>
+              <a:spcBef>
+                <a:spcPts val="0"/>
+              </a:spcBef>
+              <a:spcAft>
+                <a:spcPts val="0"/>
+              </a:spcAft>
+              <a:buClrTx/>
+              <a:buSzTx/>
+              <a:buFontTx/>
+              <a:buNone/>
+              <a:tabLst/>
+              <a:defRPr/>
+            </a:pPr>
+            <a:endParaRPr kumimoji="0" lang="en-US" sz="1800" b="0" i="0" u="none" strike="noStrike" kern="1200" cap="none" spc="0" normalizeH="0" baseline="0" noProof="0">
+              <a:ln>
+                <a:noFill/>
+              </a:ln>
+              <a:solidFill>
+                <a:prstClr val="white"/>
+              </a:solidFill>
+              <a:effectLst/>
+              <a:uLnTx/>
+              <a:uFillTx/>
+              <a:latin typeface="Calibri" panose="020F0502020204030204"/>
+              <a:ea typeface="+mn-ea"/>
+              <a:cs typeface="+mn-cs"/>
+            </a:endParaRPr>
           </a:p>
         </p:txBody>
       </p:sp>
@@ -4907,18 +5417,41 @@
             <p:ph idx="1"/>
           </p:nvPr>
         </p:nvSpPr>
-        <p:spPr/>
-        <p:txBody>
-          <a:bodyPr/>
-          <a:lstStyle/>
-          <a:p>
-            <a:endParaRPr lang="en-US" dirty="0"/>
+        <p:spPr>
+          <a:xfrm>
+            <a:off x="5250106" y="586822"/>
+            <a:ext cx="6106742" cy="1645920"/>
+          </a:xfrm>
+        </p:spPr>
+        <p:txBody>
+          <a:bodyPr anchor="ctr">
+            <a:normAutofit/>
+          </a:bodyPr>
+          <a:lstStyle/>
+          <a:p>
+            <a:r>
+              <a:rPr lang="en-US" sz="1800">
+                <a:hlinkClick r:id="rId2"/>
+              </a:rPr>
+              <a:t>https://www.meted.ucar.edu/labs/synoptic/kinematics/streamlining/print.php</a:t>
+            </a:r>
+            <a:endParaRPr lang="en-US" sz="1800"/>
+          </a:p>
+          <a:p>
+            <a:pPr lvl="1"/>
+            <a:r>
+              <a:rPr lang="en-US" sz="1800"/>
+              <a:t>so traditional, see windy.com for modern view </a:t>
+            </a:r>
+          </a:p>
+          <a:p>
+            <a:endParaRPr lang="en-US" sz="1800"/>
           </a:p>
         </p:txBody>
       </p:sp>
       <p:pic>
         <p:nvPicPr>
-          <p:cNvPr id="4" name="Picture 3">
+          <p:cNvPr id="4" name="Picture 3" descr="A screenshot of a text&#10;&#10;Description automatically generated">
             <a:extLst>
               <a:ext uri="{FF2B5EF4-FFF2-40B4-BE49-F238E27FC236}">
                 <a16:creationId xmlns:a16="http://schemas.microsoft.com/office/drawing/2014/main" id="{56FA996B-4C42-27B9-54FB-3E6B544C1381}"/>
@@ -4931,19 +5464,65 @@
           <p:nvPr/>
         </p:nvPicPr>
         <p:blipFill>
-          <a:blip r:embed="rId2"/>
+          <a:blip r:embed="rId3"/>
           <a:stretch>
             <a:fillRect/>
           </a:stretch>
         </p:blipFill>
         <p:spPr>
           <a:xfrm>
-            <a:off x="7195930" y="1027906"/>
-            <a:ext cx="4412698" cy="4982078"/>
+            <a:off x="459198" y="1340285"/>
+            <a:ext cx="4824794" cy="5434825"/>
           </a:xfrm>
           <a:prstGeom prst="rect">
             <a:avLst/>
           </a:prstGeom>
+        </p:spPr>
+      </p:pic>
+      <p:pic>
+        <p:nvPicPr>
+          <p:cNvPr id="1026" name="Picture 2" descr="gradient wind streamlines for the Australia, Indian Ocean, and Western Pacific regions">
+            <a:extLst>
+              <a:ext uri="{FF2B5EF4-FFF2-40B4-BE49-F238E27FC236}">
+                <a16:creationId xmlns:a16="http://schemas.microsoft.com/office/drawing/2014/main" id="{72FD1885-BF21-8E10-6615-1F45E6060198}"/>
+              </a:ext>
+            </a:extLst>
+          </p:cNvPr>
+          <p:cNvPicPr>
+            <a:picLocks noChangeAspect="1" noChangeArrowheads="1"/>
+          </p:cNvPicPr>
+          <p:nvPr/>
+        </p:nvPicPr>
+        <p:blipFill>
+          <a:blip r:embed="rId4">
+            <a:extLst>
+              <a:ext uri="{28A0092B-C50C-407E-A947-70E740481C1C}">
+                <a14:useLocalDpi xmlns:a14="http://schemas.microsoft.com/office/drawing/2010/main" val="0"/>
+              </a:ext>
+            </a:extLst>
+          </a:blip>
+          <a:stretch>
+            <a:fillRect/>
+          </a:stretch>
+        </p:blipFill>
+        <p:spPr bwMode="auto">
+          <a:xfrm>
+            <a:off x="5251433" y="2004164"/>
+            <a:ext cx="6793326" cy="4296779"/>
+          </a:xfrm>
+          <a:prstGeom prst="rect">
+            <a:avLst/>
+          </a:prstGeom>
+          <a:noFill/>
+          <a:extLst>
+            <a:ext uri="{909E8E84-426E-40DD-AFC4-6F175D3DCCD1}">
+              <a14:hiddenFill xmlns:a14="http://schemas.microsoft.com/office/drawing/2010/main">
+                <a:solidFill>
+                  <a:srgbClr val="FFFFFF"/>
+                </a:solidFill>
+              </a14:hiddenFill>
+            </a:ext>
+          </a:extLst>
         </p:spPr>
       </p:pic>
     </p:spTree>
@@ -5099,14 +5678,50 @@
         </p:blipFill>
         <p:spPr>
           <a:xfrm>
-            <a:off x="6708914" y="225278"/>
-            <a:ext cx="3978966" cy="6407443"/>
+            <a:off x="6576164" y="11508"/>
+            <a:ext cx="4258850" cy="6858148"/>
           </a:xfrm>
           <a:prstGeom prst="rect">
             <a:avLst/>
           </a:prstGeom>
         </p:spPr>
       </p:pic>
+      <p:cxnSp>
+        <p:nvCxnSpPr>
+          <p:cNvPr id="7" name="Straight Connector 6">
+            <a:extLst>
+              <a:ext uri="{FF2B5EF4-FFF2-40B4-BE49-F238E27FC236}">
+                <a16:creationId xmlns:a16="http://schemas.microsoft.com/office/drawing/2014/main" id="{41E20A68-2718-7BDE-9257-9F1D8F3589AB}"/>
+              </a:ext>
+            </a:extLst>
+          </p:cNvPr>
+          <p:cNvCxnSpPr/>
+          <p:nvPr/>
+        </p:nvCxnSpPr>
+        <p:spPr>
+          <a:xfrm>
+            <a:off x="6726477" y="4559474"/>
+            <a:ext cx="3945698" cy="0"/>
+          </a:xfrm>
+          <a:prstGeom prst="line">
+            <a:avLst/>
+          </a:prstGeom>
+        </p:spPr>
+        <p:style>
+          <a:lnRef idx="2">
+            <a:schemeClr val="accent2"/>
+          </a:lnRef>
+          <a:fillRef idx="0">
+            <a:schemeClr val="accent2"/>
+          </a:fillRef>
+          <a:effectRef idx="1">
+            <a:schemeClr val="accent2"/>
+          </a:effectRef>
+          <a:fontRef idx="minor">
+            <a:schemeClr val="tx1"/>
+          </a:fontRef>
+        </p:style>
+      </p:cxnSp>
     </p:spTree>
     <p:extLst>
       <p:ext uri="{BB962C8B-B14F-4D97-AF65-F5344CB8AC3E}">
@@ -5324,7 +5939,7 @@
         </p:nvSpPr>
         <p:spPr>
           <a:xfrm rot="19991907">
-            <a:off x="8846251" y="3536689"/>
+            <a:off x="6009353" y="3436258"/>
             <a:ext cx="2424766" cy="369332"/>
           </a:xfrm>
           <a:prstGeom prst="rect">
@@ -5349,6 +5964,36 @@
           </a:p>
         </p:txBody>
       </p:sp>
+      <p:pic>
+        <p:nvPicPr>
+          <p:cNvPr id="5" name="Picture 4">
+            <a:extLst>
+              <a:ext uri="{FF2B5EF4-FFF2-40B4-BE49-F238E27FC236}">
+                <a16:creationId xmlns:a16="http://schemas.microsoft.com/office/drawing/2014/main" id="{F851D92F-9622-F8F8-2741-2858AD137ACB}"/>
+              </a:ext>
+            </a:extLst>
+          </p:cNvPr>
+          <p:cNvPicPr>
+            <a:picLocks noChangeAspect="1"/>
+          </p:cNvPicPr>
+          <p:nvPr/>
+        </p:nvPicPr>
+        <p:blipFill>
+          <a:blip r:embed="rId4"/>
+          <a:stretch>
+            <a:fillRect/>
+          </a:stretch>
+        </p:blipFill>
+        <p:spPr>
+          <a:xfrm>
+            <a:off x="9563929" y="2909430"/>
+            <a:ext cx="2095500" cy="1663700"/>
+          </a:xfrm>
+          <a:prstGeom prst="rect">
+            <a:avLst/>
+          </a:prstGeom>
+        </p:spPr>
+      </p:pic>
     </p:spTree>
     <p:extLst>
       <p:ext uri="{BB962C8B-B14F-4D97-AF65-F5344CB8AC3E}">
@@ -5395,7 +6040,12 @@
             <p:ph type="title"/>
           </p:nvPr>
         </p:nvSpPr>
-        <p:spPr/>
+        <p:spPr>
+          <a:xfrm>
+            <a:off x="454164" y="365125"/>
+            <a:ext cx="10899636" cy="1325563"/>
+          </a:xfrm>
+        </p:spPr>
         <p:txBody>
           <a:bodyPr/>
           <a:lstStyle/>
@@ -5434,6 +6084,20 @@
             <a:normAutofit/>
           </a:bodyPr>
           <a:lstStyle/>
+          <a:p>
+            <a:r>
+              <a:rPr lang="en-US" dirty="0"/>
+              <a:t>Units are inverse time. What </a:t>
+            </a:r>
+            <a:r>
+              <a:rPr lang="en-US" i="1" dirty="0"/>
+              <a:t>process’s timescale </a:t>
+            </a:r>
+            <a:r>
+              <a:rPr lang="en-US" dirty="0"/>
+              <a:t>is that an (inverse) measure of?</a:t>
+            </a:r>
+          </a:p>
           <a:p>
             <a:r>
               <a:rPr lang="en-US" dirty="0"/>
@@ -5448,18 +6112,7 @@
             <a:endParaRPr lang="en-US" dirty="0"/>
           </a:p>
           <a:p>
-            <a:r>
-              <a:rPr lang="en-US" dirty="0"/>
-              <a:t>Units are inverse time. What </a:t>
-            </a:r>
-            <a:r>
-              <a:rPr lang="en-US" i="1" dirty="0"/>
-              <a:t>process’s timescale </a:t>
-            </a:r>
-            <a:r>
-              <a:rPr lang="en-US" dirty="0"/>
-              <a:t>is that a measure of?</a:t>
-            </a:r>
+            <a:endParaRPr lang="en-US" dirty="0"/>
           </a:p>
         </p:txBody>
       </p:sp>

--- a/WH_chapter7/Kinematics_WH_7.1.pptx
+++ b/WH_chapter7/Kinematics_WH_7.1.pptx
@@ -5994,6 +5994,45 @@
           </a:prstGeom>
         </p:spPr>
       </p:pic>
+      <p:sp>
+        <p:nvSpPr>
+          <p:cNvPr id="7" name="TextBox 6">
+            <a:extLst>
+              <a:ext uri="{FF2B5EF4-FFF2-40B4-BE49-F238E27FC236}">
+                <a16:creationId xmlns:a16="http://schemas.microsoft.com/office/drawing/2014/main" id="{8F9213C8-360A-A8E8-BAB5-22000045B15B}"/>
+              </a:ext>
+            </a:extLst>
+          </p:cNvPr>
+          <p:cNvSpPr txBox="1"/>
+          <p:nvPr/>
+        </p:nvSpPr>
+        <p:spPr>
+          <a:xfrm>
+            <a:off x="10873594" y="5476233"/>
+            <a:ext cx="1038746" cy="369332"/>
+          </a:xfrm>
+          <a:prstGeom prst="rect">
+            <a:avLst/>
+          </a:prstGeom>
+          <a:noFill/>
+        </p:spPr>
+        <p:txBody>
+          <a:bodyPr wrap="none" rtlCol="0">
+            <a:spAutoFit/>
+          </a:bodyPr>
+          <a:lstStyle/>
+          <a:p>
+            <a:r>
+              <a:rPr lang="en-US">
+                <a:solidFill>
+                  <a:srgbClr val="FF0000"/>
+                </a:solidFill>
+              </a:rPr>
+              <a:t>hint here</a:t>
+            </a:r>
+          </a:p>
+        </p:txBody>
+      </p:sp>
     </p:spTree>
     <p:extLst>
       <p:ext uri="{BB962C8B-B14F-4D97-AF65-F5344CB8AC3E}">
